--- a/education/Command and Visitor patterns.pptx
+++ b/education/Command and Visitor patterns.pptx
@@ -10,22 +10,28 @@
     <p:notesMasterId r:id="rId6"/>
   </p:notesMasterIdLst>
   <p:handoutMasterIdLst>
-    <p:handoutMasterId r:id="rId19"/>
+    <p:handoutMasterId r:id="rId25"/>
   </p:handoutMasterIdLst>
   <p:sldIdLst>
     <p:sldId id="287" r:id="rId5"/>
     <p:sldId id="268" r:id="rId7"/>
-    <p:sldId id="300" r:id="rId8"/>
-    <p:sldId id="267" r:id="rId9"/>
-    <p:sldId id="281" r:id="rId10"/>
-    <p:sldId id="282" r:id="rId11"/>
-    <p:sldId id="270" r:id="rId12"/>
-    <p:sldId id="279" r:id="rId13"/>
-    <p:sldId id="269" r:id="rId14"/>
-    <p:sldId id="280" r:id="rId15"/>
-    <p:sldId id="272" r:id="rId16"/>
-    <p:sldId id="273" r:id="rId17"/>
-    <p:sldId id="262" r:id="rId18"/>
+    <p:sldId id="315" r:id="rId8"/>
+    <p:sldId id="314" r:id="rId9"/>
+    <p:sldId id="300" r:id="rId10"/>
+    <p:sldId id="267" r:id="rId11"/>
+    <p:sldId id="320" r:id="rId12"/>
+    <p:sldId id="281" r:id="rId13"/>
+    <p:sldId id="282" r:id="rId14"/>
+    <p:sldId id="317" r:id="rId15"/>
+    <p:sldId id="316" r:id="rId16"/>
+    <p:sldId id="318" r:id="rId17"/>
+    <p:sldId id="270" r:id="rId18"/>
+    <p:sldId id="279" r:id="rId19"/>
+    <p:sldId id="269" r:id="rId20"/>
+    <p:sldId id="280" r:id="rId21"/>
+    <p:sldId id="272" r:id="rId22"/>
+    <p:sldId id="273" r:id="rId23"/>
+    <p:sldId id="262" r:id="rId24"/>
   </p:sldIdLst>
   <p:sldSz cx="9144000" cy="6858000" type="screen4x3"/>
   <p:notesSz cx="6858000" cy="9144000"/>
@@ -924,6 +930,82 @@
             <a:r>
               <a:rPr lang="en-US"/>
               <a:t>https://refactoring.guru/ru/design-patterns/command</a:t>
+            </a:r>
+            <a:endParaRPr lang="en-US"/>
+          </a:p>
+        </p:txBody>
+      </p:sp>
+      <p:sp>
+        <p:nvSpPr>
+          <p:cNvPr id="4" name="Slide Number Placeholder 3"/>
+          <p:cNvSpPr>
+            <a:spLocks noGrp="1"/>
+          </p:cNvSpPr>
+          <p:nvPr>
+            <p:ph type="sldNum" sz="quarter" idx="5"/>
+          </p:nvPr>
+        </p:nvSpPr>
+        <p:spPr/>
+        <p:txBody>
+          <a:bodyPr/>
+          <a:p>
+            <a:fld id="{21B2AA4F-B828-4D7C-AFD3-893933DAFCB4}" type="slidenum">
+              <a:rPr lang="en-US" smtClean="0"/>
+            </a:fld>
+            <a:endParaRPr lang="en-US"/>
+          </a:p>
+        </p:txBody>
+      </p:sp>
+    </p:spTree>
+  </p:cSld>
+  <p:clrMapOvr>
+    <a:masterClrMapping/>
+  </p:clrMapOvr>
+</p:notes>
+</file>
+
+<file path=ppt/notesSlides/notesSlide4.xml><?xml version="1.0" encoding="utf-8"?>
+<p:notes xmlns:a="http://schemas.openxmlformats.org/drawingml/2006/main" xmlns:r="http://schemas.openxmlformats.org/officeDocument/2006/relationships" xmlns:p="http://schemas.openxmlformats.org/presentationml/2006/main">
+  <p:cSld>
+    <p:spTree>
+      <p:nvGrpSpPr>
+        <p:cNvPr id="1" name=""/>
+        <p:cNvGrpSpPr/>
+        <p:nvPr/>
+      </p:nvGrpSpPr>
+      <p:grpSpPr/>
+      <p:sp>
+        <p:nvSpPr>
+          <p:cNvPr id="2" name="Slide Image Placeholder 1"/>
+          <p:cNvSpPr/>
+          <p:nvPr>
+            <p:ph type="sldImg" idx="2"/>
+          </p:nvPr>
+        </p:nvSpPr>
+        <p:spPr/>
+      </p:sp>
+      <p:sp>
+        <p:nvSpPr>
+          <p:cNvPr id="3" name="Text Placeholder 2"/>
+          <p:cNvSpPr/>
+          <p:nvPr>
+            <p:ph type="body" idx="3"/>
+          </p:nvPr>
+        </p:nvSpPr>
+        <p:spPr/>
+        <p:txBody>
+          <a:bodyPr/>
+          <a:p>
+            <a:r>
+              <a:rPr lang="en-US"/>
+              <a:t>The convenience of such a calculator construction using the Command pattern is that it is easy to add new commands that can be finely configured. You can also expand the computing capabilities of the calculator itself, for example, with a logic device or</a:t>
+            </a:r>
+            <a:endParaRPr lang="en-US"/>
+          </a:p>
+          <a:p>
+            <a:r>
+              <a:rPr lang="en-US"/>
+              <a:t>a device for calculating floating-point numbers</a:t>
             </a:r>
             <a:endParaRPr lang="en-US"/>
           </a:p>
@@ -5452,64 +5534,84 @@
         <p:cNvGrpSpPr/>
         <p:nvPr/>
       </p:nvGrpSpPr>
-      <p:grpSpPr>
-        <a:xfrm>
-          <a:off x="0" y="0"/>
-          <a:ext cx="0" cy="0"/>
-          <a:chOff x="0" y="0"/>
-          <a:chExt cx="0" cy="0"/>
-        </a:xfrm>
-      </p:grpSpPr>
-      <p:sp>
-        <p:nvSpPr>
-          <p:cNvPr id="9" name="Текст 8"/>
+      <p:grpSpPr/>
+      <p:sp>
+        <p:nvSpPr>
+          <p:cNvPr id="5" name="Title 4"/>
           <p:cNvSpPr>
             <a:spLocks noGrp="1"/>
           </p:cNvSpPr>
           <p:nvPr>
-            <p:ph type="body" sz="half" idx="2"/>
-          </p:nvPr>
-        </p:nvSpPr>
-        <p:spPr/>
+            <p:ph type="title"/>
+          </p:nvPr>
+        </p:nvSpPr>
+        <p:spPr>
+          <a:xfrm>
+            <a:off x="238760" y="122555"/>
+            <a:ext cx="3363595" cy="525780"/>
+          </a:xfrm>
+        </p:spPr>
         <p:txBody>
           <a:bodyPr/>
-          <a:lstStyle/>
-          <a:p>
-            <a:endParaRPr lang="uk-UA"/>
-          </a:p>
-        </p:txBody>
-      </p:sp>
-      <p:sp>
-        <p:nvSpPr>
-          <p:cNvPr id="8" name="Подзаголовок 7"/>
-          <p:cNvSpPr>
-            <a:spLocks noGrp="1"/>
-          </p:cNvSpPr>
-          <p:nvPr>
-            <p:ph type="subTitle" idx="1"/>
-          </p:nvPr>
-        </p:nvSpPr>
-        <p:spPr/>
-        <p:txBody>
-          <a:bodyPr/>
-          <a:lstStyle/>
-          <a:p>
-            <a:endParaRPr lang="uk-UA"/>
-          </a:p>
-        </p:txBody>
-      </p:sp>
-      <p:sp>
-        <p:nvSpPr>
-          <p:cNvPr id="10" name="Рисунок 9"/>
-          <p:cNvSpPr>
-            <a:spLocks noGrp="1"/>
-          </p:cNvSpPr>
-          <p:nvPr>
-            <p:ph type="pic" sz="quarter" idx="10"/>
-          </p:nvPr>
-        </p:nvSpPr>
-        <p:spPr/>
-      </p:sp>
+          <a:p>
+            <a:r>
+              <a:rPr lang="en-US"/>
+              <a:t>Classes</a:t>
+            </a:r>
+            <a:endParaRPr lang="en-US"/>
+          </a:p>
+        </p:txBody>
+      </p:sp>
+      <p:pic>
+        <p:nvPicPr>
+          <p:cNvPr id="4" name="Table Placeholder 3"/>
+          <p:cNvPicPr>
+            <a:picLocks noChangeAspect="1"/>
+          </p:cNvPicPr>
+          <p:nvPr>
+            <p:ph type="tbl" sz="quarter" idx="10"/>
+          </p:nvPr>
+        </p:nvPicPr>
+        <p:blipFill>
+          <a:blip r:embed="rId1"/>
+          <a:stretch>
+            <a:fillRect/>
+          </a:stretch>
+        </p:blipFill>
+        <p:spPr>
+          <a:xfrm>
+            <a:off x="3605530" y="137160"/>
+            <a:ext cx="5363845" cy="6126480"/>
+          </a:xfrm>
+          <a:prstGeom prst="rect">
+            <a:avLst/>
+          </a:prstGeom>
+        </p:spPr>
+      </p:pic>
+      <p:pic>
+        <p:nvPicPr>
+          <p:cNvPr id="6" name="Picture 5"/>
+          <p:cNvPicPr>
+            <a:picLocks noChangeAspect="1"/>
+          </p:cNvPicPr>
+          <p:nvPr/>
+        </p:nvPicPr>
+        <p:blipFill>
+          <a:blip r:embed="rId2"/>
+          <a:stretch>
+            <a:fillRect/>
+          </a:stretch>
+        </p:blipFill>
+        <p:spPr>
+          <a:xfrm>
+            <a:off x="822960" y="574040"/>
+            <a:ext cx="2945130" cy="5498465"/>
+          </a:xfrm>
+          <a:prstGeom prst="rect">
+            <a:avLst/>
+          </a:prstGeom>
+        </p:spPr>
+      </p:pic>
     </p:spTree>
   </p:cSld>
   <p:clrMapOvr>
@@ -5527,81 +5629,86 @@
         <p:cNvGrpSpPr/>
         <p:nvPr/>
       </p:nvGrpSpPr>
-      <p:grpSpPr>
-        <a:xfrm>
-          <a:off x="0" y="0"/>
-          <a:ext cx="0" cy="0"/>
-          <a:chOff x="0" y="0"/>
-          <a:chExt cx="0" cy="0"/>
-        </a:xfrm>
-      </p:grpSpPr>
-      <p:sp>
-        <p:nvSpPr>
-          <p:cNvPr id="14" name="Текст 13"/>
-          <p:cNvSpPr>
-            <a:spLocks noGrp="1"/>
-          </p:cNvSpPr>
-          <p:nvPr>
-            <p:ph type="body" sz="half" idx="2"/>
-          </p:nvPr>
-        </p:nvSpPr>
-        <p:spPr/>
-        <p:txBody>
-          <a:bodyPr/>
-          <a:lstStyle/>
-          <a:p>
-            <a:endParaRPr lang="uk-UA"/>
-          </a:p>
-        </p:txBody>
-      </p:sp>
-      <p:sp>
-        <p:nvSpPr>
-          <p:cNvPr id="13" name="Подзаголовок 12"/>
-          <p:cNvSpPr>
-            <a:spLocks noGrp="1"/>
-          </p:cNvSpPr>
-          <p:nvPr>
-            <p:ph type="subTitle" idx="4294967295"/>
-          </p:nvPr>
-        </p:nvSpPr>
-        <p:spPr>
-          <a:xfrm>
-            <a:off x="272143" y="908050"/>
-            <a:ext cx="8674220" cy="501650"/>
-          </a:xfrm>
-        </p:spPr>
-        <p:txBody>
-          <a:bodyPr/>
-          <a:lstStyle/>
-          <a:p>
-            <a:endParaRPr lang="uk-UA"/>
-          </a:p>
-        </p:txBody>
-      </p:sp>
-      <p:sp>
-        <p:nvSpPr>
-          <p:cNvPr id="5" name="Chart Placeholder 4"/>
-          <p:cNvSpPr>
-            <a:spLocks noGrp="1"/>
-          </p:cNvSpPr>
-          <p:nvPr>
-            <p:ph type="chart" sz="quarter" idx="10"/>
-          </p:nvPr>
-        </p:nvSpPr>
-        <p:spPr/>
-      </p:sp>
+      <p:grpSpPr/>
+      <p:pic>
+        <p:nvPicPr>
+          <p:cNvPr id="5" name="Picture 4" descr="control"/>
+          <p:cNvPicPr>
+            <a:picLocks noChangeAspect="1"/>
+          </p:cNvPicPr>
+          <p:nvPr/>
+        </p:nvPicPr>
+        <p:blipFill>
+          <a:blip r:embed="rId1"/>
+          <a:stretch>
+            <a:fillRect/>
+          </a:stretch>
+        </p:blipFill>
+        <p:spPr>
+          <a:xfrm>
+            <a:off x="6071235" y="118745"/>
+            <a:ext cx="2915285" cy="4180205"/>
+          </a:xfrm>
+          <a:prstGeom prst="rect">
+            <a:avLst/>
+          </a:prstGeom>
+        </p:spPr>
+      </p:pic>
+      <p:pic>
+        <p:nvPicPr>
+          <p:cNvPr id="6" name="Picture 5" descr="ar"/>
+          <p:cNvPicPr>
+            <a:picLocks noChangeAspect="1"/>
+          </p:cNvPicPr>
+          <p:nvPr/>
+        </p:nvPicPr>
+        <p:blipFill>
+          <a:blip r:embed="rId2"/>
+          <a:stretch>
+            <a:fillRect/>
+          </a:stretch>
+        </p:blipFill>
+        <p:spPr>
+          <a:xfrm>
+            <a:off x="437515" y="101600"/>
+            <a:ext cx="2967990" cy="3442970"/>
+          </a:xfrm>
+          <a:prstGeom prst="rect">
+            <a:avLst/>
+          </a:prstGeom>
+        </p:spPr>
+      </p:pic>
+      <p:pic>
+        <p:nvPicPr>
+          <p:cNvPr id="7" name="Table Placeholder 6"/>
+          <p:cNvPicPr>
+            <a:picLocks noChangeAspect="1"/>
+          </p:cNvPicPr>
+          <p:nvPr>
+            <p:ph type="tbl" sz="quarter" idx="10"/>
+          </p:nvPr>
+        </p:nvPicPr>
+        <p:blipFill>
+          <a:blip r:embed="rId3"/>
+          <a:stretch>
+            <a:fillRect/>
+          </a:stretch>
+        </p:blipFill>
+        <p:spPr>
+          <a:xfrm>
+            <a:off x="2776220" y="3604260"/>
+            <a:ext cx="3139440" cy="2606040"/>
+          </a:xfrm>
+          <a:prstGeom prst="rect">
+            <a:avLst/>
+          </a:prstGeom>
+        </p:spPr>
+      </p:pic>
     </p:spTree>
   </p:cSld>
   <p:clrMapOvr>
     <a:masterClrMapping/>
   </p:clrMapOvr>
-  <p:timing>
-    <p:tnLst>
-      <p:par>
-        <p:cTn id="1" dur="indefinite" restart="never" nodeType="tmRoot"/>
-      </p:par>
-    </p:tnLst>
-  </p:timing>
 </p:sld>
 </file>
 
@@ -5624,12 +5731,12 @@
       </p:grpSpPr>
       <p:sp>
         <p:nvSpPr>
-          <p:cNvPr id="17" name="Текст 16"/>
+          <p:cNvPr id="6" name="Заголовок 5"/>
           <p:cNvSpPr>
             <a:spLocks noGrp="1"/>
           </p:cNvSpPr>
           <p:nvPr>
-            <p:ph type="body" sz="half" idx="2"/>
+            <p:ph type="title"/>
           </p:nvPr>
         </p:nvSpPr>
         <p:spPr/>
@@ -5637,38 +5744,99 @@
           <a:bodyPr/>
           <a:lstStyle/>
           <a:p>
-            <a:endParaRPr lang="uk-UA"/>
-          </a:p>
-        </p:txBody>
-      </p:sp>
-      <p:sp>
-        <p:nvSpPr>
-          <p:cNvPr id="18" name="Диаграмма 17"/>
-          <p:cNvSpPr>
-            <a:spLocks noGrp="1"/>
-          </p:cNvSpPr>
-          <p:nvPr>
-            <p:ph type="chart" sz="quarter" idx="10"/>
-          </p:nvPr>
-        </p:nvSpPr>
-        <p:spPr/>
-      </p:sp>
-      <p:sp>
-        <p:nvSpPr>
-          <p:cNvPr id="16" name="Подзаголовок 15"/>
-          <p:cNvSpPr>
-            <a:spLocks noGrp="1"/>
-          </p:cNvSpPr>
-          <p:nvPr>
-            <p:ph type="subTitle" idx="1"/>
-          </p:nvPr>
-        </p:nvSpPr>
-        <p:spPr/>
-        <p:txBody>
-          <a:bodyPr/>
-          <a:lstStyle/>
-          <a:p>
-            <a:endParaRPr lang="uk-UA"/>
+            <a:r>
+              <a:rPr lang="en-US" altLang="uk-UA"/>
+              <a:t>When to use Command pattern</a:t>
+            </a:r>
+            <a:endParaRPr lang="en-US" altLang="uk-UA"/>
+          </a:p>
+        </p:txBody>
+      </p:sp>
+      <p:sp>
+        <p:nvSpPr>
+          <p:cNvPr id="2" name="Text Box 1"/>
+          <p:cNvSpPr txBox="1"/>
+          <p:nvPr/>
+        </p:nvSpPr>
+        <p:spPr>
+          <a:xfrm>
+            <a:off x="691515" y="1472565"/>
+            <a:ext cx="7771765" cy="3383280"/>
+          </a:xfrm>
+          <a:prstGeom prst="rect">
+            <a:avLst/>
+          </a:prstGeom>
+          <a:noFill/>
+        </p:spPr>
+        <p:txBody>
+          <a:bodyPr wrap="square" rtlCol="0" anchor="t">
+            <a:spAutoFit/>
+          </a:bodyPr>
+          <a:p>
+            <a:pPr marL="342900" indent="-342900">
+              <a:lnSpc>
+                <a:spcPct val="200000"/>
+              </a:lnSpc>
+              <a:buFont typeface="Arial" charset="0"/>
+              <a:buChar char="•"/>
+            </a:pPr>
+            <a:r>
+              <a:rPr lang="en-US"/>
+              <a:t>When you need to parameterize the command objects with the action that you perform, for example, buttons or menu items</a:t>
+            </a:r>
+            <a:endParaRPr lang="en-US"/>
+          </a:p>
+          <a:p>
+            <a:pPr marL="342900" indent="-342900">
+              <a:lnSpc>
+                <a:spcPct val="200000"/>
+              </a:lnSpc>
+              <a:buFont typeface="Arial" charset="0"/>
+              <a:buChar char="•"/>
+            </a:pPr>
+            <a:r>
+              <a:rPr lang="en-US"/>
+              <a:t>When it is necessary to ensure </a:t>
+            </a:r>
+            <a:r>
+              <a:rPr lang="en-US">
+                <a:sym typeface="+mn-ea"/>
+              </a:rPr>
+              <a:t>cancel </a:t>
+            </a:r>
+            <a:r>
+              <a:rPr lang="en-US"/>
+              <a:t>operation</a:t>
+            </a:r>
+            <a:endParaRPr lang="en-US"/>
+          </a:p>
+          <a:p>
+            <a:pPr marL="342900" indent="-342900">
+              <a:lnSpc>
+                <a:spcPct val="200000"/>
+              </a:lnSpc>
+              <a:buFont typeface="Arial" charset="0"/>
+              <a:buChar char="•"/>
+            </a:pPr>
+            <a:r>
+              <a:rPr lang="en-US"/>
+              <a:t>When it is necessary to organize the time-diversity addition of requests to the queue and their execution </a:t>
+            </a:r>
+            <a:endParaRPr lang="en-US"/>
+          </a:p>
+          <a:p>
+            <a:pPr marL="342900" indent="-342900">
+              <a:lnSpc>
+                <a:spcPct val="200000"/>
+              </a:lnSpc>
+              <a:buFont typeface="Arial" charset="0"/>
+              <a:buChar char="•"/>
+            </a:pPr>
+            <a:r>
+              <a:rPr lang="en-US"/>
+              <a:t>When you need to create a system based on transactions</a:t>
+            </a:r>
+            <a:endParaRPr lang="en-US"/>
           </a:p>
         </p:txBody>
       </p:sp>
@@ -5706,6 +5874,617 @@
       </p:grpSpPr>
       <p:sp>
         <p:nvSpPr>
+          <p:cNvPr id="14" name="Подзаголовок 13"/>
+          <p:cNvSpPr>
+            <a:spLocks noGrp="1"/>
+          </p:cNvSpPr>
+          <p:nvPr>
+            <p:ph type="subTitle" idx="4294967295"/>
+          </p:nvPr>
+        </p:nvSpPr>
+        <p:spPr>
+          <a:xfrm>
+            <a:off x="281214" y="908050"/>
+            <a:ext cx="7366083" cy="454573"/>
+          </a:xfrm>
+        </p:spPr>
+        <p:txBody>
+          <a:bodyPr>
+            <a:normAutofit fontScale="90000" lnSpcReduction="20000"/>
+          </a:bodyPr>
+          <a:lstStyle/>
+          <a:p>
+            <a:pPr marL="0" indent="0">
+              <a:buNone/>
+            </a:pPr>
+            <a:r>
+              <a:rPr lang="en-US" altLang="uk-UA" dirty="0">
+                <a:solidFill>
+                  <a:schemeClr val="tx1"/>
+                </a:solidFill>
+                <a:effectLst>
+                  <a:outerShdw blurRad="38100" dist="19050" dir="2700000" algn="tl" rotWithShape="0">
+                    <a:schemeClr val="dk1">
+                      <a:alpha val="40000"/>
+                    </a:schemeClr>
+                  </a:outerShdw>
+                </a:effectLst>
+              </a:rPr>
+              <a:t>E</a:t>
+            </a:r>
+            <a:r>
+              <a:rPr lang="uk-UA" dirty="0">
+                <a:solidFill>
+                  <a:schemeClr val="tx1"/>
+                </a:solidFill>
+                <a:effectLst>
+                  <a:outerShdw blurRad="38100" dist="19050" dir="2700000" algn="tl" rotWithShape="0">
+                    <a:schemeClr val="dk1">
+                      <a:alpha val="40000"/>
+                    </a:schemeClr>
+                  </a:outerShdw>
+                </a:effectLst>
+              </a:rPr>
+              <a:t>xamples in </a:t>
+            </a:r>
+            <a:r>
+              <a:rPr lang="en-US" dirty="0">
+                <a:solidFill>
+                  <a:schemeClr val="tx1"/>
+                </a:solidFill>
+                <a:effectLst>
+                  <a:outerShdw blurRad="38100" dist="19050" dir="2700000" algn="tl" rotWithShape="0">
+                    <a:schemeClr val="dk1">
+                      <a:alpha val="40000"/>
+                    </a:schemeClr>
+                  </a:outerShdw>
+                </a:effectLst>
+              </a:rPr>
+              <a:t>.Net</a:t>
+            </a:r>
+            <a:endParaRPr lang="en-US" dirty="0">
+              <a:solidFill>
+                <a:schemeClr val="tx1"/>
+              </a:solidFill>
+              <a:effectLst>
+                <a:outerShdw blurRad="38100" dist="19050" dir="2700000" algn="tl" rotWithShape="0">
+                  <a:schemeClr val="dk1">
+                    <a:alpha val="40000"/>
+                  </a:schemeClr>
+                </a:outerShdw>
+              </a:effectLst>
+            </a:endParaRPr>
+          </a:p>
+        </p:txBody>
+      </p:sp>
+      <p:sp>
+        <p:nvSpPr>
+          <p:cNvPr id="2" name="Text Box 1"/>
+          <p:cNvSpPr txBox="1"/>
+          <p:nvPr/>
+        </p:nvSpPr>
+        <p:spPr>
+          <a:xfrm>
+            <a:off x="873125" y="2301240"/>
+            <a:ext cx="7513955" cy="1920240"/>
+          </a:xfrm>
+          <a:prstGeom prst="rect">
+            <a:avLst/>
+          </a:prstGeom>
+          <a:noFill/>
+        </p:spPr>
+        <p:txBody>
+          <a:bodyPr wrap="square" rtlCol="0" anchor="t">
+            <a:spAutoFit/>
+          </a:bodyPr>
+          <a:p>
+            <a:pPr marL="285750" indent="-285750">
+              <a:lnSpc>
+                <a:spcPct val="150000"/>
+              </a:lnSpc>
+              <a:buFont typeface="Arial" charset="0"/>
+              <a:buChar char="•"/>
+            </a:pPr>
+            <a:r>
+              <a:rPr lang="en-US" sz="2000">
+                <a:solidFill>
+                  <a:schemeClr val="tx1"/>
+                </a:solidFill>
+                <a:effectLst>
+                  <a:outerShdw blurRad="38100" dist="19050" dir="2700000" algn="tl" rotWithShape="0">
+                    <a:schemeClr val="dk1">
+                      <a:alpha val="40000"/>
+                    </a:schemeClr>
+                  </a:outerShdw>
+                </a:effectLst>
+              </a:rPr>
+              <a:t>ICommand in WPF, on the basis of which the binding of operations to events of the user interface is constructed;</a:t>
+            </a:r>
+            <a:endParaRPr lang="en-US" sz="2000">
+              <a:solidFill>
+                <a:schemeClr val="tx1"/>
+              </a:solidFill>
+              <a:effectLst>
+                <a:outerShdw blurRad="38100" dist="19050" dir="2700000" algn="tl" rotWithShape="0">
+                  <a:schemeClr val="dk1">
+                    <a:alpha val="40000"/>
+                  </a:schemeClr>
+                </a:outerShdw>
+              </a:effectLst>
+            </a:endParaRPr>
+          </a:p>
+          <a:p>
+            <a:pPr marL="285750" indent="-285750">
+              <a:lnSpc>
+                <a:spcPct val="150000"/>
+              </a:lnSpc>
+              <a:buFont typeface="Arial" charset="0"/>
+              <a:buChar char="•"/>
+            </a:pPr>
+            <a:r>
+              <a:rPr lang="en-US" sz="2000">
+                <a:solidFill>
+                  <a:schemeClr val="tx1"/>
+                </a:solidFill>
+                <a:effectLst>
+                  <a:outerShdw blurRad="38100" dist="19050" dir="2700000" algn="tl" rotWithShape="0">
+                    <a:schemeClr val="dk1">
+                      <a:alpha val="40000"/>
+                    </a:schemeClr>
+                  </a:outerShdw>
+                </a:effectLst>
+              </a:rPr>
+              <a:t>IDbCommand in ADO.NET encapsulates an operation executed on the DBMS side;</a:t>
+            </a:r>
+            <a:endParaRPr lang="en-US" sz="2000">
+              <a:solidFill>
+                <a:schemeClr val="tx1"/>
+              </a:solidFill>
+              <a:effectLst>
+                <a:outerShdw blurRad="38100" dist="19050" dir="2700000" algn="tl" rotWithShape="0">
+                  <a:schemeClr val="dk1">
+                    <a:alpha val="40000"/>
+                  </a:schemeClr>
+                </a:outerShdw>
+              </a:effectLst>
+            </a:endParaRPr>
+          </a:p>
+        </p:txBody>
+      </p:sp>
+    </p:spTree>
+  </p:cSld>
+  <p:clrMapOvr>
+    <a:masterClrMapping/>
+  </p:clrMapOvr>
+  <p:timing>
+    <p:tnLst>
+      <p:par>
+        <p:cTn id="1" dur="indefinite" restart="never" nodeType="tmRoot"/>
+      </p:par>
+    </p:tnLst>
+  </p:timing>
+</p:sld>
+</file>
+
+<file path=ppt/slides/slide14.xml><?xml version="1.0" encoding="utf-8"?>
+<p:sld xmlns:a="http://schemas.openxmlformats.org/drawingml/2006/main" xmlns:r="http://schemas.openxmlformats.org/officeDocument/2006/relationships" xmlns:p="http://schemas.openxmlformats.org/presentationml/2006/main">
+  <p:cSld>
+    <p:spTree>
+      <p:nvGrpSpPr>
+        <p:cNvPr id="1" name=""/>
+        <p:cNvGrpSpPr/>
+        <p:nvPr/>
+      </p:nvGrpSpPr>
+      <p:grpSpPr>
+        <a:xfrm>
+          <a:off x="0" y="0"/>
+          <a:ext cx="0" cy="0"/>
+          <a:chOff x="0" y="0"/>
+          <a:chExt cx="0" cy="0"/>
+        </a:xfrm>
+      </p:grpSpPr>
+      <p:sp>
+        <p:nvSpPr>
+          <p:cNvPr id="7" name="Таблица 6"/>
+          <p:cNvSpPr>
+            <a:spLocks noGrp="1"/>
+          </p:cNvSpPr>
+          <p:nvPr>
+            <p:ph type="tbl" sz="quarter" idx="10"/>
+          </p:nvPr>
+        </p:nvSpPr>
+        <p:spPr/>
+      </p:sp>
+      <p:sp>
+        <p:nvSpPr>
+          <p:cNvPr id="6" name="Заголовок 5"/>
+          <p:cNvSpPr>
+            <a:spLocks noGrp="1"/>
+          </p:cNvSpPr>
+          <p:nvPr>
+            <p:ph type="title"/>
+          </p:nvPr>
+        </p:nvSpPr>
+        <p:spPr/>
+        <p:txBody>
+          <a:bodyPr/>
+          <a:lstStyle/>
+          <a:p>
+            <a:r>
+              <a:rPr lang="en-US" altLang="uk-UA"/>
+              <a:t>Visitor pattern</a:t>
+            </a:r>
+            <a:endParaRPr lang="en-US" altLang="uk-UA"/>
+          </a:p>
+        </p:txBody>
+      </p:sp>
+    </p:spTree>
+  </p:cSld>
+  <p:clrMapOvr>
+    <a:masterClrMapping/>
+  </p:clrMapOvr>
+  <p:timing>
+    <p:tnLst>
+      <p:par>
+        <p:cTn id="1" dur="indefinite" restart="never" nodeType="tmRoot"/>
+      </p:par>
+    </p:tnLst>
+  </p:timing>
+</p:sld>
+</file>
+
+<file path=ppt/slides/slide15.xml><?xml version="1.0" encoding="utf-8"?>
+<p:sld xmlns:a="http://schemas.openxmlformats.org/drawingml/2006/main" xmlns:r="http://schemas.openxmlformats.org/officeDocument/2006/relationships" xmlns:p="http://schemas.openxmlformats.org/presentationml/2006/main">
+  <p:cSld>
+    <p:spTree>
+      <p:nvGrpSpPr>
+        <p:cNvPr id="1" name=""/>
+        <p:cNvGrpSpPr/>
+        <p:nvPr/>
+      </p:nvGrpSpPr>
+      <p:grpSpPr>
+        <a:xfrm>
+          <a:off x="0" y="0"/>
+          <a:ext cx="0" cy="0"/>
+          <a:chOff x="0" y="0"/>
+          <a:chExt cx="0" cy="0"/>
+        </a:xfrm>
+      </p:grpSpPr>
+      <p:sp>
+        <p:nvSpPr>
+          <p:cNvPr id="3" name="Текст 2"/>
+          <p:cNvSpPr>
+            <a:spLocks noGrp="1"/>
+          </p:cNvSpPr>
+          <p:nvPr>
+            <p:ph type="body" sz="half" idx="2"/>
+          </p:nvPr>
+        </p:nvSpPr>
+        <p:spPr/>
+        <p:txBody>
+          <a:bodyPr/>
+          <a:lstStyle/>
+          <a:p>
+            <a:endParaRPr lang="uk-UA"/>
+          </a:p>
+        </p:txBody>
+      </p:sp>
+      <p:sp>
+        <p:nvSpPr>
+          <p:cNvPr id="4" name="Рисунок 3"/>
+          <p:cNvSpPr>
+            <a:spLocks noGrp="1"/>
+          </p:cNvSpPr>
+          <p:nvPr>
+            <p:ph type="pic" sz="quarter" idx="10"/>
+          </p:nvPr>
+        </p:nvSpPr>
+        <p:spPr/>
+      </p:sp>
+      <p:sp>
+        <p:nvSpPr>
+          <p:cNvPr id="2" name="Подзаголовок 1"/>
+          <p:cNvSpPr>
+            <a:spLocks noGrp="1"/>
+          </p:cNvSpPr>
+          <p:nvPr>
+            <p:ph type="subTitle" idx="4294967295"/>
+          </p:nvPr>
+        </p:nvSpPr>
+        <p:spPr>
+          <a:xfrm>
+            <a:off x="272144" y="908050"/>
+            <a:ext cx="7375154" cy="454573"/>
+          </a:xfrm>
+        </p:spPr>
+        <p:txBody>
+          <a:bodyPr>
+            <a:normAutofit lnSpcReduction="10000"/>
+          </a:bodyPr>
+          <a:lstStyle/>
+          <a:p>
+            <a:endParaRPr lang="uk-UA" dirty="0"/>
+          </a:p>
+        </p:txBody>
+      </p:sp>
+    </p:spTree>
+  </p:cSld>
+  <p:clrMapOvr>
+    <a:masterClrMapping/>
+  </p:clrMapOvr>
+  <p:timing>
+    <p:tnLst>
+      <p:par>
+        <p:cTn id="1" dur="indefinite" restart="never" nodeType="tmRoot"/>
+      </p:par>
+    </p:tnLst>
+  </p:timing>
+</p:sld>
+</file>
+
+<file path=ppt/slides/slide16.xml><?xml version="1.0" encoding="utf-8"?>
+<p:sld xmlns:a="http://schemas.openxmlformats.org/drawingml/2006/main" xmlns:r="http://schemas.openxmlformats.org/officeDocument/2006/relationships" xmlns:p="http://schemas.openxmlformats.org/presentationml/2006/main">
+  <p:cSld>
+    <p:spTree>
+      <p:nvGrpSpPr>
+        <p:cNvPr id="1" name=""/>
+        <p:cNvGrpSpPr/>
+        <p:nvPr/>
+      </p:nvGrpSpPr>
+      <p:grpSpPr>
+        <a:xfrm>
+          <a:off x="0" y="0"/>
+          <a:ext cx="0" cy="0"/>
+          <a:chOff x="0" y="0"/>
+          <a:chExt cx="0" cy="0"/>
+        </a:xfrm>
+      </p:grpSpPr>
+      <p:sp>
+        <p:nvSpPr>
+          <p:cNvPr id="9" name="Текст 8"/>
+          <p:cNvSpPr>
+            <a:spLocks noGrp="1"/>
+          </p:cNvSpPr>
+          <p:nvPr>
+            <p:ph type="body" sz="half" idx="2"/>
+          </p:nvPr>
+        </p:nvSpPr>
+        <p:spPr/>
+        <p:txBody>
+          <a:bodyPr/>
+          <a:lstStyle/>
+          <a:p>
+            <a:endParaRPr lang="uk-UA"/>
+          </a:p>
+        </p:txBody>
+      </p:sp>
+      <p:sp>
+        <p:nvSpPr>
+          <p:cNvPr id="8" name="Подзаголовок 7"/>
+          <p:cNvSpPr>
+            <a:spLocks noGrp="1"/>
+          </p:cNvSpPr>
+          <p:nvPr>
+            <p:ph type="subTitle" idx="1"/>
+          </p:nvPr>
+        </p:nvSpPr>
+        <p:spPr/>
+        <p:txBody>
+          <a:bodyPr/>
+          <a:lstStyle/>
+          <a:p>
+            <a:endParaRPr lang="uk-UA"/>
+          </a:p>
+        </p:txBody>
+      </p:sp>
+      <p:sp>
+        <p:nvSpPr>
+          <p:cNvPr id="10" name="Рисунок 9"/>
+          <p:cNvSpPr>
+            <a:spLocks noGrp="1"/>
+          </p:cNvSpPr>
+          <p:nvPr>
+            <p:ph type="pic" sz="quarter" idx="10"/>
+          </p:nvPr>
+        </p:nvSpPr>
+        <p:spPr/>
+      </p:sp>
+    </p:spTree>
+  </p:cSld>
+  <p:clrMapOvr>
+    <a:masterClrMapping/>
+  </p:clrMapOvr>
+</p:sld>
+</file>
+
+<file path=ppt/slides/slide17.xml><?xml version="1.0" encoding="utf-8"?>
+<p:sld xmlns:a="http://schemas.openxmlformats.org/drawingml/2006/main" xmlns:r="http://schemas.openxmlformats.org/officeDocument/2006/relationships" xmlns:p="http://schemas.openxmlformats.org/presentationml/2006/main">
+  <p:cSld>
+    <p:spTree>
+      <p:nvGrpSpPr>
+        <p:cNvPr id="1" name=""/>
+        <p:cNvGrpSpPr/>
+        <p:nvPr/>
+      </p:nvGrpSpPr>
+      <p:grpSpPr>
+        <a:xfrm>
+          <a:off x="0" y="0"/>
+          <a:ext cx="0" cy="0"/>
+          <a:chOff x="0" y="0"/>
+          <a:chExt cx="0" cy="0"/>
+        </a:xfrm>
+      </p:grpSpPr>
+      <p:sp>
+        <p:nvSpPr>
+          <p:cNvPr id="14" name="Текст 13"/>
+          <p:cNvSpPr>
+            <a:spLocks noGrp="1"/>
+          </p:cNvSpPr>
+          <p:nvPr>
+            <p:ph type="body" sz="half" idx="2"/>
+          </p:nvPr>
+        </p:nvSpPr>
+        <p:spPr/>
+        <p:txBody>
+          <a:bodyPr/>
+          <a:lstStyle/>
+          <a:p>
+            <a:endParaRPr lang="uk-UA"/>
+          </a:p>
+        </p:txBody>
+      </p:sp>
+      <p:sp>
+        <p:nvSpPr>
+          <p:cNvPr id="13" name="Подзаголовок 12"/>
+          <p:cNvSpPr>
+            <a:spLocks noGrp="1"/>
+          </p:cNvSpPr>
+          <p:nvPr>
+            <p:ph type="subTitle" idx="4294967295"/>
+          </p:nvPr>
+        </p:nvSpPr>
+        <p:spPr>
+          <a:xfrm>
+            <a:off x="272143" y="908050"/>
+            <a:ext cx="8674220" cy="501650"/>
+          </a:xfrm>
+        </p:spPr>
+        <p:txBody>
+          <a:bodyPr/>
+          <a:lstStyle/>
+          <a:p>
+            <a:endParaRPr lang="uk-UA"/>
+          </a:p>
+        </p:txBody>
+      </p:sp>
+      <p:sp>
+        <p:nvSpPr>
+          <p:cNvPr id="5" name="Chart Placeholder 4"/>
+          <p:cNvSpPr>
+            <a:spLocks noGrp="1"/>
+          </p:cNvSpPr>
+          <p:nvPr>
+            <p:ph type="chart" sz="quarter" idx="10"/>
+          </p:nvPr>
+        </p:nvSpPr>
+        <p:spPr/>
+      </p:sp>
+    </p:spTree>
+  </p:cSld>
+  <p:clrMapOvr>
+    <a:masterClrMapping/>
+  </p:clrMapOvr>
+  <p:timing>
+    <p:tnLst>
+      <p:par>
+        <p:cTn id="1" dur="indefinite" restart="never" nodeType="tmRoot"/>
+      </p:par>
+    </p:tnLst>
+  </p:timing>
+</p:sld>
+</file>
+
+<file path=ppt/slides/slide18.xml><?xml version="1.0" encoding="utf-8"?>
+<p:sld xmlns:a="http://schemas.openxmlformats.org/drawingml/2006/main" xmlns:r="http://schemas.openxmlformats.org/officeDocument/2006/relationships" xmlns:p="http://schemas.openxmlformats.org/presentationml/2006/main">
+  <p:cSld>
+    <p:spTree>
+      <p:nvGrpSpPr>
+        <p:cNvPr id="1" name=""/>
+        <p:cNvGrpSpPr/>
+        <p:nvPr/>
+      </p:nvGrpSpPr>
+      <p:grpSpPr>
+        <a:xfrm>
+          <a:off x="0" y="0"/>
+          <a:ext cx="0" cy="0"/>
+          <a:chOff x="0" y="0"/>
+          <a:chExt cx="0" cy="0"/>
+        </a:xfrm>
+      </p:grpSpPr>
+      <p:sp>
+        <p:nvSpPr>
+          <p:cNvPr id="17" name="Текст 16"/>
+          <p:cNvSpPr>
+            <a:spLocks noGrp="1"/>
+          </p:cNvSpPr>
+          <p:nvPr>
+            <p:ph type="body" sz="half" idx="2"/>
+          </p:nvPr>
+        </p:nvSpPr>
+        <p:spPr/>
+        <p:txBody>
+          <a:bodyPr/>
+          <a:lstStyle/>
+          <a:p>
+            <a:endParaRPr lang="uk-UA"/>
+          </a:p>
+        </p:txBody>
+      </p:sp>
+      <p:sp>
+        <p:nvSpPr>
+          <p:cNvPr id="18" name="Диаграмма 17"/>
+          <p:cNvSpPr>
+            <a:spLocks noGrp="1"/>
+          </p:cNvSpPr>
+          <p:nvPr>
+            <p:ph type="chart" sz="quarter" idx="10"/>
+          </p:nvPr>
+        </p:nvSpPr>
+        <p:spPr/>
+      </p:sp>
+      <p:sp>
+        <p:nvSpPr>
+          <p:cNvPr id="16" name="Подзаголовок 15"/>
+          <p:cNvSpPr>
+            <a:spLocks noGrp="1"/>
+          </p:cNvSpPr>
+          <p:nvPr>
+            <p:ph type="subTitle" idx="1"/>
+          </p:nvPr>
+        </p:nvSpPr>
+        <p:spPr/>
+        <p:txBody>
+          <a:bodyPr/>
+          <a:lstStyle/>
+          <a:p>
+            <a:endParaRPr lang="uk-UA"/>
+          </a:p>
+        </p:txBody>
+      </p:sp>
+    </p:spTree>
+  </p:cSld>
+  <p:clrMapOvr>
+    <a:masterClrMapping/>
+  </p:clrMapOvr>
+  <p:timing>
+    <p:tnLst>
+      <p:par>
+        <p:cTn id="1" dur="indefinite" restart="never" nodeType="tmRoot"/>
+      </p:par>
+    </p:tnLst>
+  </p:timing>
+</p:sld>
+</file>
+
+<file path=ppt/slides/slide19.xml><?xml version="1.0" encoding="utf-8"?>
+<p:sld xmlns:a="http://schemas.openxmlformats.org/drawingml/2006/main" xmlns:r="http://schemas.openxmlformats.org/officeDocument/2006/relationships" xmlns:p="http://schemas.openxmlformats.org/presentationml/2006/main">
+  <p:cSld>
+    <p:spTree>
+      <p:nvGrpSpPr>
+        <p:cNvPr id="1" name=""/>
+        <p:cNvGrpSpPr/>
+        <p:nvPr/>
+      </p:nvGrpSpPr>
+      <p:grpSpPr>
+        <a:xfrm>
+          <a:off x="0" y="0"/>
+          <a:ext cx="0" cy="0"/>
+          <a:chOff x="0" y="0"/>
+          <a:chExt cx="0" cy="0"/>
+        </a:xfrm>
+      </p:grpSpPr>
+      <p:sp>
+        <p:nvSpPr>
           <p:cNvPr id="2" name="Заголовок 1"/>
           <p:cNvSpPr>
             <a:spLocks noGrp="1"/>
@@ -5758,21 +6537,20 @@
             <p:ph type="subTitle" idx="1"/>
           </p:nvPr>
         </p:nvSpPr>
-        <p:spPr/>
+        <p:spPr>
+          <a:xfrm>
+            <a:off x="280670" y="1154430"/>
+            <a:ext cx="8641080" cy="454660"/>
+          </a:xfrm>
+        </p:spPr>
         <p:txBody>
           <a:bodyPr/>
           <a:lstStyle/>
           <a:p>
+            <a:pPr algn="ctr"/>
             <a:r>
               <a:rPr lang="en-US" dirty="0"/>
-              <a:t>Command </a:t>
-            </a:r>
-            <a:br>
-              <a:rPr lang="en-US" dirty="0"/>
-            </a:br>
-            <a:r>
-              <a:rPr lang="en-US" dirty="0"/>
-              <a:t>pattern</a:t>
+              <a:t>Command pattern</a:t>
             </a:r>
             <a:endParaRPr lang="en-US" dirty="0"/>
           </a:p>
@@ -5786,7 +6564,7 @@
         </p:nvSpPr>
         <p:spPr>
           <a:xfrm>
-            <a:off x="802005" y="3869055"/>
+            <a:off x="657225" y="2747010"/>
             <a:ext cx="7482205" cy="1737360"/>
           </a:xfrm>
           <a:prstGeom prst="rect">
@@ -5812,32 +6590,6 @@
           </a:p>
         </p:txBody>
       </p:sp>
-      <p:pic>
-        <p:nvPicPr>
-          <p:cNvPr id="8" name="Table Placeholder 7"/>
-          <p:cNvPicPr>
-            <a:picLocks noChangeAspect="1"/>
-          </p:cNvPicPr>
-          <p:nvPr>
-            <p:ph type="tbl" sz="quarter" idx="10"/>
-          </p:nvPr>
-        </p:nvPicPr>
-        <p:blipFill>
-          <a:blip r:embed="rId1"/>
-          <a:stretch>
-            <a:fillRect/>
-          </a:stretch>
-        </p:blipFill>
-        <p:spPr>
-          <a:xfrm>
-            <a:off x="3537585" y="1067435"/>
-            <a:ext cx="4597400" cy="1926590"/>
-          </a:xfrm>
-          <a:prstGeom prst="rect">
-            <a:avLst/>
-          </a:prstGeom>
-        </p:spPr>
-      </p:pic>
     </p:spTree>
   </p:cSld>
   <p:clrMapOvr>
@@ -5870,38 +6622,13 @@
           <a:chExt cx="0" cy="0"/>
         </a:xfrm>
       </p:grpSpPr>
-      <p:sp>
-        <p:nvSpPr>
-          <p:cNvPr id="2" name="Subtitle 1"/>
-          <p:cNvSpPr>
-            <a:spLocks noGrp="1"/>
-          </p:cNvSpPr>
-          <p:nvPr>
-            <p:ph type="subTitle" idx="1"/>
-          </p:nvPr>
-        </p:nvSpPr>
-        <p:spPr/>
-        <p:txBody>
-          <a:bodyPr/>
-          <a:lstStyle/>
-          <a:p>
-            <a:r>
-              <a:rPr lang="en-US" dirty="0"/>
-              <a:t>UML</a:t>
-            </a:r>
-            <a:endParaRPr lang="en-US" dirty="0"/>
-          </a:p>
-        </p:txBody>
-      </p:sp>
       <p:pic>
         <p:nvPicPr>
-          <p:cNvPr id="3" name="Table Placeholder 2"/>
+          <p:cNvPr id="2" name="Picture 1" descr="what-if-i-told-you-ui-buttons-also-use-command-pattern"/>
           <p:cNvPicPr>
             <a:picLocks noChangeAspect="1"/>
           </p:cNvPicPr>
-          <p:nvPr>
-            <p:ph type="tbl" sz="quarter" idx="10"/>
-          </p:nvPr>
+          <p:nvPr/>
         </p:nvPicPr>
         <p:blipFill>
           <a:blip r:embed="rId1"/>
@@ -5911,8 +6638,8 @@
         </p:blipFill>
         <p:spPr>
           <a:xfrm>
-            <a:off x="1457325" y="1583690"/>
-            <a:ext cx="6188075" cy="4291965"/>
+            <a:off x="2467610" y="1469390"/>
+            <a:ext cx="4090670" cy="4090670"/>
           </a:xfrm>
           <a:prstGeom prst="rect">
             <a:avLst/>
@@ -5924,13 +6651,6 @@
   <p:clrMapOvr>
     <a:masterClrMapping/>
   </p:clrMapOvr>
-  <p:timing>
-    <p:tnLst>
-      <p:par>
-        <p:cTn id="1" dur="indefinite" restart="never" nodeType="tmRoot"/>
-      </p:par>
-    </p:tnLst>
-  </p:timing>
 </p:sld>
 </file>
 
@@ -5953,34 +6673,25 @@
       </p:grpSpPr>
       <p:sp>
         <p:nvSpPr>
-          <p:cNvPr id="5" name="Title 4"/>
+          <p:cNvPr id="2" name="Subtitle 1"/>
           <p:cNvSpPr>
             <a:spLocks noGrp="1"/>
           </p:cNvSpPr>
           <p:nvPr>
-            <p:ph type="title"/>
-          </p:nvPr>
-        </p:nvSpPr>
-        <p:spPr>
-          <a:xfrm>
-            <a:off x="2630170" y="334645"/>
-            <a:ext cx="6791960" cy="525780"/>
-          </a:xfrm>
-        </p:spPr>
+            <p:ph type="subTitle" idx="1"/>
+          </p:nvPr>
+        </p:nvSpPr>
+        <p:spPr/>
         <p:txBody>
           <a:bodyPr/>
           <a:p>
-            <a:r>
-              <a:rPr lang="en-US" altLang="en-US"/>
-              <a:t>In Life</a:t>
-            </a:r>
-            <a:endParaRPr lang="en-US" altLang="en-US"/>
+            <a:endParaRPr lang="en-US"/>
           </a:p>
         </p:txBody>
       </p:sp>
       <p:pic>
         <p:nvPicPr>
-          <p:cNvPr id="12" name="Table Placeholder 11"/>
+          <p:cNvPr id="8" name="Table Placeholder 7"/>
           <p:cNvPicPr>
             <a:picLocks noChangeAspect="1"/>
           </p:cNvPicPr>
@@ -5996,32 +6707,8 @@
         </p:blipFill>
         <p:spPr>
           <a:xfrm>
-            <a:off x="1971675" y="1760220"/>
-            <a:ext cx="7097395" cy="4330700"/>
-          </a:xfrm>
-          <a:prstGeom prst="rect">
-            <a:avLst/>
-          </a:prstGeom>
-        </p:spPr>
-      </p:pic>
-      <p:pic>
-        <p:nvPicPr>
-          <p:cNvPr id="13" name="Picture 12"/>
-          <p:cNvPicPr>
-            <a:picLocks noChangeAspect="1"/>
-          </p:cNvPicPr>
-          <p:nvPr/>
-        </p:nvPicPr>
-        <p:blipFill>
-          <a:blip r:embed="rId2"/>
-          <a:stretch>
-            <a:fillRect/>
-          </a:stretch>
-        </p:blipFill>
-        <p:spPr>
-          <a:xfrm>
-            <a:off x="309880" y="1159510"/>
-            <a:ext cx="2153285" cy="2223135"/>
+            <a:off x="955675" y="2193290"/>
+            <a:ext cx="7061835" cy="2959735"/>
           </a:xfrm>
           <a:prstGeom prst="rect">
             <a:avLst/>
@@ -6033,13 +6720,6 @@
   <p:clrMapOvr>
     <a:masterClrMapping/>
   </p:clrMapOvr>
-  <p:timing>
-    <p:tnLst>
-      <p:par>
-        <p:cTn id="1" dur="indefinite" restart="never" nodeType="tmRoot"/>
-      </p:par>
-    </p:tnLst>
-  </p:timing>
 </p:sld>
 </file>
 
@@ -6060,56 +6740,582 @@
           <a:chExt cx="0" cy="0"/>
         </a:xfrm>
       </p:grpSpPr>
-      <p:sp>
-        <p:nvSpPr>
-          <p:cNvPr id="7" name="Текст 6"/>
-          <p:cNvSpPr>
-            <a:spLocks noGrp="1"/>
-          </p:cNvSpPr>
-          <p:nvPr>
-            <p:ph type="body" sz="quarter" idx="10"/>
+      <p:pic>
+        <p:nvPicPr>
+          <p:cNvPr id="3" name="Table Placeholder 2"/>
+          <p:cNvPicPr>
+            <a:picLocks noChangeAspect="1"/>
+          </p:cNvPicPr>
+          <p:nvPr>
+            <p:ph type="tbl" sz="quarter" idx="10"/>
+          </p:nvPr>
+        </p:nvPicPr>
+        <p:blipFill>
+          <a:blip r:embed="rId1"/>
+          <a:stretch>
+            <a:fillRect/>
+          </a:stretch>
+        </p:blipFill>
+        <p:spPr>
+          <a:xfrm>
+            <a:off x="4279900" y="693420"/>
+            <a:ext cx="4338320" cy="3009265"/>
+          </a:xfrm>
+          <a:prstGeom prst="rect">
+            <a:avLst/>
+          </a:prstGeom>
+        </p:spPr>
+      </p:pic>
+      <p:sp>
+        <p:nvSpPr>
+          <p:cNvPr id="5" name="Rectangle 4"/>
+          <p:cNvSpPr/>
+          <p:nvPr/>
+        </p:nvSpPr>
+        <p:spPr>
+          <a:xfrm>
+            <a:off x="2568575" y="5691505"/>
+            <a:ext cx="1742440" cy="934720"/>
+          </a:xfrm>
+          <a:prstGeom prst="rect">
+            <a:avLst/>
+          </a:prstGeom>
+        </p:spPr>
+        <p:style>
+          <a:lnRef idx="3">
+            <a:schemeClr val="lt1"/>
+          </a:lnRef>
+          <a:fillRef idx="1">
+            <a:schemeClr val="accent2"/>
+          </a:fillRef>
+          <a:effectRef idx="1">
+            <a:schemeClr val="accent2"/>
+          </a:effectRef>
+          <a:fontRef idx="minor">
+            <a:schemeClr val="lt1"/>
+          </a:fontRef>
+        </p:style>
+        <p:txBody>
+          <a:bodyPr rtlCol="0" anchor="ctr"/>
+          <a:p>
+            <a:pPr algn="ctr"/>
+            <a:r>
+              <a:rPr lang="en-US"/>
+              <a:t>Receiver</a:t>
+            </a:r>
+            <a:endParaRPr lang="en-US"/>
+          </a:p>
+        </p:txBody>
+      </p:sp>
+      <p:sp>
+        <p:nvSpPr>
+          <p:cNvPr id="9" name="Rectangle 8"/>
+          <p:cNvSpPr/>
+          <p:nvPr/>
+        </p:nvSpPr>
+        <p:spPr>
+          <a:xfrm>
+            <a:off x="2573655" y="3764280"/>
+            <a:ext cx="1742440" cy="934720"/>
+          </a:xfrm>
+          <a:prstGeom prst="rect">
+            <a:avLst/>
+          </a:prstGeom>
+        </p:spPr>
+        <p:style>
+          <a:lnRef idx="3">
+            <a:schemeClr val="lt1"/>
+          </a:lnRef>
+          <a:fillRef idx="1">
+            <a:schemeClr val="accent2"/>
+          </a:fillRef>
+          <a:effectRef idx="1">
+            <a:schemeClr val="accent2"/>
+          </a:effectRef>
+          <a:fontRef idx="minor">
+            <a:schemeClr val="lt1"/>
+          </a:fontRef>
+        </p:style>
+        <p:txBody>
+          <a:bodyPr rtlCol="0" anchor="ctr"/>
+          <a:p>
+            <a:pPr algn="ctr"/>
+            <a:r>
+              <a:rPr lang="en-US"/>
+              <a:t>Concrete </a:t>
+            </a:r>
+            <a:br>
+              <a:rPr lang="en-US"/>
+            </a:br>
+            <a:r>
+              <a:rPr lang="en-US"/>
+              <a:t>Command</a:t>
+            </a:r>
+            <a:endParaRPr lang="en-US"/>
+          </a:p>
+        </p:txBody>
+      </p:sp>
+      <p:sp>
+        <p:nvSpPr>
+          <p:cNvPr id="10" name="Rectangle 9"/>
+          <p:cNvSpPr/>
+          <p:nvPr/>
+        </p:nvSpPr>
+        <p:spPr>
+          <a:xfrm>
+            <a:off x="2586355" y="1848485"/>
+            <a:ext cx="1742440" cy="934720"/>
+          </a:xfrm>
+          <a:prstGeom prst="rect">
+            <a:avLst/>
+          </a:prstGeom>
+        </p:spPr>
+        <p:style>
+          <a:lnRef idx="3">
+            <a:schemeClr val="lt1"/>
+          </a:lnRef>
+          <a:fillRef idx="1">
+            <a:schemeClr val="accent2"/>
+          </a:fillRef>
+          <a:effectRef idx="1">
+            <a:schemeClr val="accent2"/>
+          </a:effectRef>
+          <a:fontRef idx="minor">
+            <a:schemeClr val="lt1"/>
+          </a:fontRef>
+        </p:style>
+        <p:txBody>
+          <a:bodyPr rtlCol="0" anchor="ctr"/>
+          <a:p>
+            <a:pPr algn="ctr"/>
+            <a:r>
+              <a:rPr lang="en-US"/>
+              <a:t>Command</a:t>
+            </a:r>
+            <a:endParaRPr lang="en-US"/>
+          </a:p>
+        </p:txBody>
+      </p:sp>
+      <p:sp>
+        <p:nvSpPr>
+          <p:cNvPr id="11" name="Rectangle 10"/>
+          <p:cNvSpPr/>
+          <p:nvPr/>
+        </p:nvSpPr>
+        <p:spPr>
+          <a:xfrm>
+            <a:off x="125730" y="3762375"/>
+            <a:ext cx="1742440" cy="934720"/>
+          </a:xfrm>
+          <a:prstGeom prst="rect">
+            <a:avLst/>
+          </a:prstGeom>
+        </p:spPr>
+        <p:style>
+          <a:lnRef idx="3">
+            <a:schemeClr val="lt1"/>
+          </a:lnRef>
+          <a:fillRef idx="1">
+            <a:schemeClr val="accent2"/>
+          </a:fillRef>
+          <a:effectRef idx="1">
+            <a:schemeClr val="accent2"/>
+          </a:effectRef>
+          <a:fontRef idx="minor">
+            <a:schemeClr val="lt1"/>
+          </a:fontRef>
+        </p:style>
+        <p:txBody>
+          <a:bodyPr rtlCol="0" anchor="ctr"/>
+          <a:p>
+            <a:pPr algn="ctr"/>
+            <a:r>
+              <a:rPr lang="en-US"/>
+              <a:t>Client</a:t>
+            </a:r>
+            <a:endParaRPr lang="en-US"/>
+          </a:p>
+        </p:txBody>
+      </p:sp>
+      <p:sp>
+        <p:nvSpPr>
+          <p:cNvPr id="12" name="Rectangle 11"/>
+          <p:cNvSpPr/>
+          <p:nvPr/>
+        </p:nvSpPr>
+        <p:spPr>
+          <a:xfrm>
+            <a:off x="125730" y="1847215"/>
+            <a:ext cx="1742440" cy="934720"/>
+          </a:xfrm>
+          <a:prstGeom prst="rect">
+            <a:avLst/>
+          </a:prstGeom>
+        </p:spPr>
+        <p:style>
+          <a:lnRef idx="3">
+            <a:schemeClr val="lt1"/>
+          </a:lnRef>
+          <a:fillRef idx="1">
+            <a:schemeClr val="accent2"/>
+          </a:fillRef>
+          <a:effectRef idx="1">
+            <a:schemeClr val="accent2"/>
+          </a:effectRef>
+          <a:fontRef idx="minor">
+            <a:schemeClr val="lt1"/>
+          </a:fontRef>
+        </p:style>
+        <p:txBody>
+          <a:bodyPr rtlCol="0" anchor="ctr"/>
+          <a:p>
+            <a:pPr algn="ctr"/>
+            <a:r>
+              <a:rPr lang="en-US"/>
+              <a:t>Invoker</a:t>
+            </a:r>
+            <a:endParaRPr lang="en-US"/>
+          </a:p>
+        </p:txBody>
+      </p:sp>
+      <p:cxnSp>
+        <p:nvCxnSpPr>
+          <p:cNvPr id="13" name="Straight Arrow Connector 12"/>
+          <p:cNvCxnSpPr>
+            <a:stCxn id="11" idx="0"/>
+            <a:endCxn id="12" idx="2"/>
+          </p:cNvCxnSpPr>
+          <p:nvPr/>
+        </p:nvCxnSpPr>
+        <p:spPr>
+          <a:xfrm flipV="1">
+            <a:off x="996950" y="2781935"/>
+            <a:ext cx="0" cy="980440"/>
+          </a:xfrm>
+          <a:prstGeom prst="straightConnector1">
+            <a:avLst/>
+          </a:prstGeom>
+          <a:ln>
+            <a:tailEnd type="arrow"/>
+          </a:ln>
+        </p:spPr>
+        <p:style>
+          <a:lnRef idx="1">
+            <a:schemeClr val="accent1"/>
+          </a:lnRef>
+          <a:fillRef idx="0">
+            <a:schemeClr val="accent1"/>
+          </a:fillRef>
+          <a:effectRef idx="0">
+            <a:schemeClr val="accent1"/>
+          </a:effectRef>
+          <a:fontRef idx="minor">
+            <a:schemeClr val="tx1"/>
+          </a:fontRef>
+        </p:style>
+      </p:cxnSp>
+      <p:cxnSp>
+        <p:nvCxnSpPr>
+          <p:cNvPr id="14" name="Straight Arrow Connector 13"/>
+          <p:cNvCxnSpPr>
+            <a:stCxn id="12" idx="3"/>
+            <a:endCxn id="10" idx="1"/>
+          </p:cNvCxnSpPr>
+          <p:nvPr/>
+        </p:nvCxnSpPr>
+        <p:spPr>
+          <a:xfrm>
+            <a:off x="1868170" y="2314575"/>
+            <a:ext cx="718185" cy="1270"/>
+          </a:xfrm>
+          <a:prstGeom prst="straightConnector1">
+            <a:avLst/>
+          </a:prstGeom>
+          <a:ln>
+            <a:tailEnd type="arrow"/>
+          </a:ln>
+        </p:spPr>
+        <p:style>
+          <a:lnRef idx="1">
+            <a:schemeClr val="accent1"/>
+          </a:lnRef>
+          <a:fillRef idx="0">
+            <a:schemeClr val="accent1"/>
+          </a:fillRef>
+          <a:effectRef idx="0">
+            <a:schemeClr val="accent1"/>
+          </a:effectRef>
+          <a:fontRef idx="minor">
+            <a:schemeClr val="tx1"/>
+          </a:fontRef>
+        </p:style>
+      </p:cxnSp>
+      <p:cxnSp>
+        <p:nvCxnSpPr>
+          <p:cNvPr id="15" name="Straight Arrow Connector 14"/>
+          <p:cNvCxnSpPr>
+            <a:stCxn id="9" idx="0"/>
+            <a:endCxn id="10" idx="2"/>
+          </p:cNvCxnSpPr>
+          <p:nvPr/>
+        </p:nvCxnSpPr>
+        <p:spPr>
+          <a:xfrm flipV="1">
+            <a:off x="3444875" y="2783205"/>
+            <a:ext cx="12700" cy="981075"/>
+          </a:xfrm>
+          <a:prstGeom prst="straightConnector1">
+            <a:avLst/>
+          </a:prstGeom>
+          <a:ln>
+            <a:tailEnd type="arrow"/>
+          </a:ln>
+        </p:spPr>
+        <p:style>
+          <a:lnRef idx="1">
+            <a:schemeClr val="accent1"/>
+          </a:lnRef>
+          <a:fillRef idx="0">
+            <a:schemeClr val="accent1"/>
+          </a:fillRef>
+          <a:effectRef idx="0">
+            <a:schemeClr val="accent1"/>
+          </a:effectRef>
+          <a:fontRef idx="minor">
+            <a:schemeClr val="tx1"/>
+          </a:fontRef>
+        </p:style>
+      </p:cxnSp>
+      <p:cxnSp>
+        <p:nvCxnSpPr>
+          <p:cNvPr id="16" name="Straight Arrow Connector 15"/>
+          <p:cNvCxnSpPr>
+            <a:stCxn id="11" idx="3"/>
+            <a:endCxn id="9" idx="1"/>
+          </p:cNvCxnSpPr>
+          <p:nvPr/>
+        </p:nvCxnSpPr>
+        <p:spPr>
+          <a:xfrm>
+            <a:off x="1868170" y="4229735"/>
+            <a:ext cx="705485" cy="1905"/>
+          </a:xfrm>
+          <a:prstGeom prst="straightConnector1">
+            <a:avLst/>
+          </a:prstGeom>
+          <a:ln>
+            <a:tailEnd type="arrow"/>
+          </a:ln>
+        </p:spPr>
+        <p:style>
+          <a:lnRef idx="1">
+            <a:schemeClr val="accent1"/>
+          </a:lnRef>
+          <a:fillRef idx="0">
+            <a:schemeClr val="accent1"/>
+          </a:fillRef>
+          <a:effectRef idx="0">
+            <a:schemeClr val="accent1"/>
+          </a:effectRef>
+          <a:fontRef idx="minor">
+            <a:schemeClr val="tx1"/>
+          </a:fontRef>
+        </p:style>
+      </p:cxnSp>
+      <p:cxnSp>
+        <p:nvCxnSpPr>
+          <p:cNvPr id="17" name="Straight Arrow Connector 16"/>
+          <p:cNvCxnSpPr>
+            <a:stCxn id="9" idx="2"/>
+            <a:endCxn id="5" idx="0"/>
+          </p:cNvCxnSpPr>
+          <p:nvPr/>
+        </p:nvCxnSpPr>
+        <p:spPr>
+          <a:xfrm flipH="1">
+            <a:off x="3439795" y="4699000"/>
+            <a:ext cx="5080" cy="992505"/>
+          </a:xfrm>
+          <a:prstGeom prst="straightConnector1">
+            <a:avLst/>
+          </a:prstGeom>
+          <a:ln>
+            <a:tailEnd type="arrow"/>
+          </a:ln>
+        </p:spPr>
+        <p:style>
+          <a:lnRef idx="1">
+            <a:schemeClr val="accent1"/>
+          </a:lnRef>
+          <a:fillRef idx="0">
+            <a:schemeClr val="accent1"/>
+          </a:fillRef>
+          <a:effectRef idx="0">
+            <a:schemeClr val="accent1"/>
+          </a:effectRef>
+          <a:fontRef idx="minor">
+            <a:schemeClr val="tx1"/>
+          </a:fontRef>
+        </p:style>
+      </p:cxnSp>
+      <p:sp>
+        <p:nvSpPr>
+          <p:cNvPr id="18" name="Text Box 17"/>
+          <p:cNvSpPr txBox="1"/>
+          <p:nvPr/>
+        </p:nvSpPr>
+        <p:spPr>
+          <a:xfrm>
+            <a:off x="1908810" y="3886835"/>
+            <a:ext cx="800100" cy="366395"/>
+          </a:xfrm>
+          <a:prstGeom prst="rect">
+            <a:avLst/>
+          </a:prstGeom>
+          <a:noFill/>
+        </p:spPr>
+        <p:txBody>
+          <a:bodyPr wrap="square" rtlCol="0">
+            <a:spAutoFit/>
+          </a:bodyPr>
+          <a:p>
+            <a:r>
+              <a:rPr lang="en-US" altLang="en-US"/>
+              <a:t>uses</a:t>
+            </a:r>
+            <a:endParaRPr lang="en-US" altLang="en-US"/>
+          </a:p>
+        </p:txBody>
+      </p:sp>
+      <p:sp>
+        <p:nvSpPr>
+          <p:cNvPr id="19" name="Text Box 18"/>
+          <p:cNvSpPr txBox="1"/>
+          <p:nvPr/>
+        </p:nvSpPr>
+        <p:spPr>
+          <a:xfrm>
+            <a:off x="1014730" y="3077210"/>
+            <a:ext cx="1135380" cy="366395"/>
+          </a:xfrm>
+          <a:prstGeom prst="rect">
+            <a:avLst/>
+          </a:prstGeom>
+          <a:noFill/>
+        </p:spPr>
+        <p:txBody>
+          <a:bodyPr wrap="square" rtlCol="0">
+            <a:spAutoFit/>
+          </a:bodyPr>
+          <a:p>
+            <a:r>
+              <a:rPr lang="en-US" altLang="en-US"/>
+              <a:t>Create</a:t>
+            </a:r>
+            <a:endParaRPr lang="en-US" altLang="en-US"/>
+          </a:p>
+        </p:txBody>
+      </p:sp>
+      <p:sp>
+        <p:nvSpPr>
+          <p:cNvPr id="20" name="Text Box 19"/>
+          <p:cNvSpPr txBox="1"/>
+          <p:nvPr/>
+        </p:nvSpPr>
+        <p:spPr>
+          <a:xfrm>
+            <a:off x="3442970" y="5009515"/>
+            <a:ext cx="800100" cy="366395"/>
+          </a:xfrm>
+          <a:prstGeom prst="rect">
+            <a:avLst/>
+          </a:prstGeom>
+          <a:noFill/>
+        </p:spPr>
+        <p:txBody>
+          <a:bodyPr wrap="square" rtlCol="0">
+            <a:spAutoFit/>
+          </a:bodyPr>
+          <a:p>
+            <a:r>
+              <a:rPr lang="en-US" altLang="en-US"/>
+              <a:t>calls</a:t>
+            </a:r>
+            <a:endParaRPr lang="en-US" altLang="en-US"/>
+          </a:p>
+        </p:txBody>
+      </p:sp>
+      <p:sp>
+        <p:nvSpPr>
+          <p:cNvPr id="21" name="Text Box 20"/>
+          <p:cNvSpPr txBox="1"/>
+          <p:nvPr/>
+        </p:nvSpPr>
+        <p:spPr>
+          <a:xfrm>
+            <a:off x="1878330" y="1974215"/>
+            <a:ext cx="800100" cy="366395"/>
+          </a:xfrm>
+          <a:prstGeom prst="rect">
+            <a:avLst/>
+          </a:prstGeom>
+          <a:noFill/>
+        </p:spPr>
+        <p:txBody>
+          <a:bodyPr wrap="square" rtlCol="0">
+            <a:spAutoFit/>
+          </a:bodyPr>
+          <a:p>
+            <a:r>
+              <a:rPr lang="en-US" altLang="en-US"/>
+              <a:t>calls</a:t>
+            </a:r>
+            <a:endParaRPr lang="en-US" altLang="en-US"/>
+          </a:p>
+        </p:txBody>
+      </p:sp>
+      <p:sp>
+        <p:nvSpPr>
+          <p:cNvPr id="22" name="Text Box 21"/>
+          <p:cNvSpPr txBox="1"/>
+          <p:nvPr/>
+        </p:nvSpPr>
+        <p:spPr>
+          <a:xfrm>
+            <a:off x="3514090" y="3122930"/>
+            <a:ext cx="1386840" cy="366395"/>
+          </a:xfrm>
+          <a:prstGeom prst="rect">
+            <a:avLst/>
+          </a:prstGeom>
+          <a:noFill/>
+        </p:spPr>
+        <p:txBody>
+          <a:bodyPr wrap="square" rtlCol="0">
+            <a:spAutoFit/>
+          </a:bodyPr>
+          <a:p>
+            <a:r>
+              <a:rPr lang="en-US" altLang="en-US"/>
+              <a:t>Implements</a:t>
+            </a:r>
+            <a:endParaRPr lang="en-US" altLang="en-US"/>
+          </a:p>
+        </p:txBody>
+      </p:sp>
+      <p:sp>
+        <p:nvSpPr>
+          <p:cNvPr id="23" name="Subtitle 22"/>
+          <p:cNvSpPr/>
+          <p:nvPr>
+            <p:ph type="subTitle" idx="1"/>
           </p:nvPr>
         </p:nvSpPr>
         <p:spPr/>
         <p:txBody>
           <a:bodyPr/>
-          <a:lstStyle/>
-          <a:p>
-            <a:pPr>
-              <a:buClr>
-                <a:srgbClr val="171B65"/>
-              </a:buClr>
-            </a:pPr>
-            <a:endParaRPr lang="uk-UA" dirty="0"/>
-          </a:p>
-        </p:txBody>
-      </p:sp>
-      <p:sp>
-        <p:nvSpPr>
-          <p:cNvPr id="6" name="Подзаголовок 5"/>
-          <p:cNvSpPr>
-            <a:spLocks noGrp="1"/>
-          </p:cNvSpPr>
-          <p:nvPr>
-            <p:ph type="subTitle" idx="1"/>
-          </p:nvPr>
-        </p:nvSpPr>
-        <p:spPr>
-          <a:xfrm>
-            <a:off x="272415" y="908050"/>
-            <a:ext cx="8657590" cy="454660"/>
-          </a:xfrm>
-        </p:spPr>
-        <p:txBody>
-          <a:bodyPr/>
-          <a:lstStyle/>
-          <a:p>
-            <a:pPr algn="ctr"/>
-            <a:r>
-              <a:rPr lang="en-US" altLang="uk-UA"/>
-              <a:t>Example</a:t>
-            </a:r>
-            <a:endParaRPr lang="en-US" altLang="uk-UA"/>
+          <a:p>
+            <a:endParaRPr lang="en-US"/>
           </a:p>
         </p:txBody>
       </p:sp>
@@ -6147,7 +7353,7 @@
       </p:grpSpPr>
       <p:sp>
         <p:nvSpPr>
-          <p:cNvPr id="6" name="Заголовок 5"/>
+          <p:cNvPr id="5" name="Title 4"/>
           <p:cNvSpPr>
             <a:spLocks noGrp="1"/>
           </p:cNvSpPr>
@@ -6155,39 +7361,109 @@
             <p:ph type="title"/>
           </p:nvPr>
         </p:nvSpPr>
-        <p:spPr/>
+        <p:spPr>
+          <a:xfrm>
+            <a:off x="1618615" y="283210"/>
+            <a:ext cx="6791960" cy="525780"/>
+          </a:xfrm>
+        </p:spPr>
         <p:txBody>
           <a:bodyPr/>
-          <a:lstStyle/>
-          <a:p>
-            <a:endParaRPr lang="uk-UA"/>
-          </a:p>
-        </p:txBody>
-      </p:sp>
-      <p:sp>
-        <p:nvSpPr>
-          <p:cNvPr id="7" name="Текст 6"/>
-          <p:cNvSpPr>
-            <a:spLocks noGrp="1"/>
-          </p:cNvSpPr>
-          <p:nvPr>
-            <p:ph type="body" sz="quarter" idx="10"/>
-          </p:nvPr>
-        </p:nvSpPr>
-        <p:spPr/>
-        <p:txBody>
-          <a:bodyPr/>
-          <a:lstStyle/>
-          <a:p>
-            <a:endParaRPr lang="uk-UA"/>
-          </a:p>
-        </p:txBody>
-      </p:sp>
+          <a:p>
+            <a:r>
+              <a:rPr lang="en-US" altLang="en-US">
+                <a:ln/>
+                <a:solidFill>
+                  <a:schemeClr val="tx1"/>
+                </a:solidFill>
+                <a:effectLst>
+                  <a:outerShdw blurRad="38100" dist="19050" dir="2700000" algn="tl" rotWithShape="0">
+                    <a:schemeClr val="dk1">
+                      <a:alpha val="40000"/>
+                    </a:schemeClr>
+                  </a:outerShdw>
+                </a:effectLst>
+              </a:rPr>
+              <a:t>Situation in our Life </a:t>
+            </a:r>
+            <a:endParaRPr lang="en-US" altLang="en-US">
+              <a:ln/>
+              <a:solidFill>
+                <a:schemeClr val="tx1"/>
+              </a:solidFill>
+              <a:effectLst>
+                <a:outerShdw blurRad="38100" dist="19050" dir="2700000" algn="tl" rotWithShape="0">
+                  <a:schemeClr val="dk1">
+                    <a:alpha val="40000"/>
+                  </a:schemeClr>
+                </a:outerShdw>
+              </a:effectLst>
+            </a:endParaRPr>
+          </a:p>
+        </p:txBody>
+      </p:sp>
+      <p:pic>
+        <p:nvPicPr>
+          <p:cNvPr id="12" name="Table Placeholder 11"/>
+          <p:cNvPicPr>
+            <a:picLocks noChangeAspect="1"/>
+          </p:cNvPicPr>
+          <p:nvPr>
+            <p:ph type="tbl" sz="quarter" idx="10"/>
+          </p:nvPr>
+        </p:nvPicPr>
+        <p:blipFill>
+          <a:blip r:embed="rId1"/>
+          <a:stretch>
+            <a:fillRect/>
+          </a:stretch>
+        </p:blipFill>
+        <p:spPr>
+          <a:xfrm>
+            <a:off x="1971675" y="1760220"/>
+            <a:ext cx="7097395" cy="4330700"/>
+          </a:xfrm>
+          <a:prstGeom prst="rect">
+            <a:avLst/>
+          </a:prstGeom>
+        </p:spPr>
+      </p:pic>
+      <p:pic>
+        <p:nvPicPr>
+          <p:cNvPr id="13" name="Picture 12"/>
+          <p:cNvPicPr>
+            <a:picLocks noChangeAspect="1"/>
+          </p:cNvPicPr>
+          <p:nvPr/>
+        </p:nvPicPr>
+        <p:blipFill>
+          <a:blip r:embed="rId2"/>
+          <a:stretch>
+            <a:fillRect/>
+          </a:stretch>
+        </p:blipFill>
+        <p:spPr>
+          <a:xfrm>
+            <a:off x="309880" y="1159510"/>
+            <a:ext cx="2153285" cy="2223135"/>
+          </a:xfrm>
+          <a:prstGeom prst="rect">
+            <a:avLst/>
+          </a:prstGeom>
+        </p:spPr>
+      </p:pic>
     </p:spTree>
   </p:cSld>
   <p:clrMapOvr>
     <a:masterClrMapping/>
   </p:clrMapOvr>
+  <p:timing>
+    <p:tnLst>
+      <p:par>
+        <p:cTn id="1" dur="indefinite" restart="never" nodeType="tmRoot"/>
+      </p:par>
+    </p:tnLst>
+  </p:timing>
 </p:sld>
 </file>
 
@@ -6200,235 +7476,60 @@
         <p:cNvGrpSpPr/>
         <p:nvPr/>
       </p:nvGrpSpPr>
-      <p:grpSpPr>
-        <a:xfrm>
-          <a:off x="0" y="0"/>
-          <a:ext cx="0" cy="0"/>
-          <a:chOff x="0" y="0"/>
-          <a:chExt cx="0" cy="0"/>
-        </a:xfrm>
-      </p:grpSpPr>
-      <p:sp>
-        <p:nvSpPr>
-          <p:cNvPr id="14" name="Подзаголовок 13"/>
+      <p:grpSpPr/>
+      <p:sp>
+        <p:nvSpPr>
+          <p:cNvPr id="3" name="Title 2"/>
           <p:cNvSpPr>
             <a:spLocks noGrp="1"/>
           </p:cNvSpPr>
           <p:nvPr>
-            <p:ph type="subTitle" idx="4294967295"/>
-          </p:nvPr>
-        </p:nvSpPr>
-        <p:spPr>
-          <a:xfrm>
-            <a:off x="281214" y="908050"/>
-            <a:ext cx="7366083" cy="454573"/>
-          </a:xfrm>
-        </p:spPr>
-        <p:txBody>
-          <a:bodyPr>
-            <a:normAutofit fontScale="90000" lnSpcReduction="20000"/>
-          </a:bodyPr>
-          <a:lstStyle/>
-          <a:p>
-            <a:pPr marL="0" indent="0">
-              <a:buNone/>
-            </a:pPr>
-            <a:r>
-              <a:rPr lang="en-US" altLang="uk-UA" dirty="0">
-                <a:ln/>
-                <a:solidFill>
-                  <a:schemeClr val="tx1"/>
-                </a:solidFill>
-                <a:effectLst>
-                  <a:outerShdw blurRad="38100" dist="19050" dir="2700000" algn="tl" rotWithShape="0">
-                    <a:schemeClr val="dk1">
-                      <a:alpha val="40000"/>
-                    </a:schemeClr>
-                  </a:outerShdw>
-                </a:effectLst>
-              </a:rPr>
-              <a:t>E</a:t>
-            </a:r>
-            <a:r>
-              <a:rPr lang="uk-UA" dirty="0">
-                <a:ln/>
-                <a:solidFill>
-                  <a:schemeClr val="tx1"/>
-                </a:solidFill>
-                <a:effectLst>
-                  <a:outerShdw blurRad="38100" dist="19050" dir="2700000" algn="tl" rotWithShape="0">
-                    <a:schemeClr val="dk1">
-                      <a:alpha val="40000"/>
-                    </a:schemeClr>
-                  </a:outerShdw>
-                </a:effectLst>
-              </a:rPr>
-              <a:t>xamples in </a:t>
-            </a:r>
-            <a:r>
-              <a:rPr lang="en-US" dirty="0">
-                <a:ln/>
-                <a:solidFill>
-                  <a:schemeClr val="tx1"/>
-                </a:solidFill>
-                <a:effectLst>
-                  <a:outerShdw blurRad="38100" dist="19050" dir="2700000" algn="tl" rotWithShape="0">
-                    <a:schemeClr val="dk1">
-                      <a:alpha val="40000"/>
-                    </a:schemeClr>
-                  </a:outerShdw>
-                </a:effectLst>
-              </a:rPr>
-              <a:t>.Net</a:t>
-            </a:r>
-            <a:endParaRPr lang="en-US" dirty="0">
-              <a:ln/>
-              <a:solidFill>
-                <a:schemeClr val="tx1"/>
-              </a:solidFill>
-              <a:effectLst>
-                <a:outerShdw blurRad="38100" dist="19050" dir="2700000" algn="tl" rotWithShape="0">
-                  <a:schemeClr val="dk1">
-                    <a:alpha val="40000"/>
-                  </a:schemeClr>
-                </a:outerShdw>
-              </a:effectLst>
-            </a:endParaRPr>
-          </a:p>
-        </p:txBody>
-      </p:sp>
-      <p:sp>
-        <p:nvSpPr>
-          <p:cNvPr id="2" name="Text Box 1"/>
-          <p:cNvSpPr txBox="1"/>
-          <p:nvPr/>
-        </p:nvSpPr>
-        <p:spPr>
-          <a:xfrm>
-            <a:off x="873125" y="2301240"/>
-            <a:ext cx="7513955" cy="2377440"/>
+            <p:ph type="title"/>
+          </p:nvPr>
+        </p:nvSpPr>
+        <p:spPr/>
+        <p:txBody>
+          <a:bodyPr/>
+          <a:p>
+            <a:r>
+              <a:rPr lang="en-US"/>
+              <a:t>Command pattern structure in C#</a:t>
+            </a:r>
+            <a:endParaRPr lang="en-US"/>
+          </a:p>
+        </p:txBody>
+      </p:sp>
+      <p:pic>
+        <p:nvPicPr>
+          <p:cNvPr id="4" name="Table Placeholder 3"/>
+          <p:cNvPicPr>
+            <a:picLocks noChangeAspect="1"/>
+          </p:cNvPicPr>
+          <p:nvPr>
+            <p:ph type="tbl" sz="quarter" idx="10"/>
+          </p:nvPr>
+        </p:nvPicPr>
+        <p:blipFill>
+          <a:blip r:embed="rId1"/>
+          <a:stretch>
+            <a:fillRect/>
+          </a:stretch>
+        </p:blipFill>
+        <p:spPr>
+          <a:xfrm>
+            <a:off x="1125220" y="1097915"/>
+            <a:ext cx="6631305" cy="4907280"/>
           </a:xfrm>
           <a:prstGeom prst="rect">
             <a:avLst/>
           </a:prstGeom>
-          <a:noFill/>
-        </p:spPr>
-        <p:txBody>
-          <a:bodyPr wrap="square" rtlCol="0" anchor="t">
-            <a:spAutoFit/>
-          </a:bodyPr>
-          <a:p>
-            <a:pPr marL="285750" indent="-285750">
-              <a:lnSpc>
-                <a:spcPct val="150000"/>
-              </a:lnSpc>
-              <a:buFont typeface="Arial" charset="0"/>
-              <a:buChar char="•"/>
-            </a:pPr>
-            <a:r>
-              <a:rPr lang="en-US" sz="2000">
-                <a:ln/>
-                <a:solidFill>
-                  <a:schemeClr val="tx1"/>
-                </a:solidFill>
-                <a:effectLst>
-                  <a:outerShdw blurRad="38100" dist="19050" dir="2700000" algn="tl" rotWithShape="0">
-                    <a:schemeClr val="dk1">
-                      <a:alpha val="40000"/>
-                    </a:schemeClr>
-                  </a:outerShdw>
-                </a:effectLst>
-              </a:rPr>
-              <a:t>ICommand in WPF, on the basis of which the binding of operations to events of the user interface is constructed;</a:t>
-            </a:r>
-            <a:endParaRPr lang="en-US" sz="2000">
-              <a:ln/>
-              <a:solidFill>
-                <a:schemeClr val="tx1"/>
-              </a:solidFill>
-              <a:effectLst>
-                <a:outerShdw blurRad="38100" dist="19050" dir="2700000" algn="tl" rotWithShape="0">
-                  <a:schemeClr val="dk1">
-                    <a:alpha val="40000"/>
-                  </a:schemeClr>
-                </a:outerShdw>
-              </a:effectLst>
-            </a:endParaRPr>
-          </a:p>
-          <a:p>
-            <a:pPr indent="0">
-              <a:lnSpc>
-                <a:spcPct val="150000"/>
-              </a:lnSpc>
-              <a:buFont typeface="Arial" charset="0"/>
-              <a:buNone/>
-            </a:pPr>
-            <a:endParaRPr lang="en-US" sz="2000">
-              <a:ln/>
-              <a:solidFill>
-                <a:schemeClr val="tx1"/>
-              </a:solidFill>
-              <a:effectLst>
-                <a:outerShdw blurRad="38100" dist="19050" dir="2700000" algn="tl" rotWithShape="0">
-                  <a:schemeClr val="dk1">
-                    <a:alpha val="40000"/>
-                  </a:schemeClr>
-                </a:outerShdw>
-              </a:effectLst>
-            </a:endParaRPr>
-          </a:p>
-          <a:p>
-            <a:pPr marL="285750" indent="-285750">
-              <a:lnSpc>
-                <a:spcPct val="150000"/>
-              </a:lnSpc>
-              <a:buFont typeface="Arial" charset="0"/>
-              <a:buChar char="•"/>
-            </a:pPr>
-            <a:r>
-              <a:rPr lang="en-US" sz="2000">
-                <a:ln/>
-                <a:solidFill>
-                  <a:schemeClr val="tx1"/>
-                </a:solidFill>
-                <a:effectLst>
-                  <a:outerShdw blurRad="38100" dist="19050" dir="2700000" algn="tl" rotWithShape="0">
-                    <a:schemeClr val="dk1">
-                      <a:alpha val="40000"/>
-                    </a:schemeClr>
-                  </a:outerShdw>
-                </a:effectLst>
-              </a:rPr>
-              <a:t>IDbCommand in ADO.NET encapsulates an operation executed on the DBMS side;</a:t>
-            </a:r>
-            <a:endParaRPr lang="en-US" sz="2000">
-              <a:ln/>
-              <a:solidFill>
-                <a:schemeClr val="tx1"/>
-              </a:solidFill>
-              <a:effectLst>
-                <a:outerShdw blurRad="38100" dist="19050" dir="2700000" algn="tl" rotWithShape="0">
-                  <a:schemeClr val="dk1">
-                    <a:alpha val="40000"/>
-                  </a:schemeClr>
-                </a:outerShdw>
-              </a:effectLst>
-            </a:endParaRPr>
-          </a:p>
-        </p:txBody>
-      </p:sp>
+        </p:spPr>
+      </p:pic>
     </p:spTree>
   </p:cSld>
   <p:clrMapOvr>
     <a:masterClrMapping/>
   </p:clrMapOvr>
-  <p:timing>
-    <p:tnLst>
-      <p:par>
-        <p:cTn id="1" dur="indefinite" restart="never" nodeType="tmRoot"/>
-      </p:par>
-    </p:tnLst>
-  </p:timing>
 </p:sld>
 </file>
 
@@ -6451,35 +7552,59 @@
       </p:grpSpPr>
       <p:sp>
         <p:nvSpPr>
-          <p:cNvPr id="7" name="Таблица 6"/>
+          <p:cNvPr id="6" name="Подзаголовок 5"/>
           <p:cNvSpPr>
             <a:spLocks noGrp="1"/>
           </p:cNvSpPr>
           <p:nvPr>
-            <p:ph type="tbl" sz="quarter" idx="10"/>
-          </p:nvPr>
-        </p:nvSpPr>
-        <p:spPr/>
-      </p:sp>
-      <p:sp>
-        <p:nvSpPr>
-          <p:cNvPr id="6" name="Заголовок 5"/>
-          <p:cNvSpPr>
-            <a:spLocks noGrp="1"/>
-          </p:cNvSpPr>
-          <p:nvPr>
-            <p:ph type="title"/>
-          </p:nvPr>
-        </p:nvSpPr>
-        <p:spPr/>
+            <p:ph type="subTitle" idx="1"/>
+          </p:nvPr>
+        </p:nvSpPr>
+        <p:spPr>
+          <a:xfrm>
+            <a:off x="273050" y="908050"/>
+            <a:ext cx="8623935" cy="454660"/>
+          </a:xfrm>
+        </p:spPr>
         <p:txBody>
           <a:bodyPr/>
           <a:lstStyle/>
           <a:p>
-            <a:endParaRPr lang="uk-UA"/>
-          </a:p>
-        </p:txBody>
-      </p:sp>
+            <a:pPr algn="ctr"/>
+            <a:r>
+              <a:rPr lang="en-US" altLang="uk-UA"/>
+              <a:t>Example - Calculator</a:t>
+            </a:r>
+            <a:endParaRPr lang="en-US" altLang="uk-UA"/>
+          </a:p>
+        </p:txBody>
+      </p:sp>
+      <p:pic>
+        <p:nvPicPr>
+          <p:cNvPr id="4" name="Table Placeholder 3" descr="calc"/>
+          <p:cNvPicPr>
+            <a:picLocks noChangeAspect="1"/>
+          </p:cNvPicPr>
+          <p:nvPr>
+            <p:ph type="tbl" sz="quarter" idx="10"/>
+          </p:nvPr>
+        </p:nvPicPr>
+        <p:blipFill>
+          <a:blip r:embed="rId1"/>
+          <a:stretch>
+            <a:fillRect/>
+          </a:stretch>
+        </p:blipFill>
+        <p:spPr>
+          <a:xfrm>
+            <a:off x="868680" y="2112010"/>
+            <a:ext cx="6978650" cy="3102610"/>
+          </a:xfrm>
+          <a:prstGeom prst="rect">
+            <a:avLst/>
+          </a:prstGeom>
+        </p:spPr>
+      </p:pic>
     </p:spTree>
   </p:cSld>
   <p:clrMapOvr>
@@ -6514,73 +7639,57 @@
       </p:grpSpPr>
       <p:sp>
         <p:nvSpPr>
-          <p:cNvPr id="3" name="Текст 2"/>
+          <p:cNvPr id="3" name="Title 2"/>
           <p:cNvSpPr>
             <a:spLocks noGrp="1"/>
           </p:cNvSpPr>
           <p:nvPr>
-            <p:ph type="body" sz="half" idx="2"/>
+            <p:ph type="title"/>
           </p:nvPr>
         </p:nvSpPr>
         <p:spPr/>
         <p:txBody>
           <a:bodyPr/>
-          <a:lstStyle/>
-          <a:p>
-            <a:endParaRPr lang="uk-UA"/>
-          </a:p>
-        </p:txBody>
-      </p:sp>
-      <p:sp>
-        <p:nvSpPr>
-          <p:cNvPr id="4" name="Рисунок 3"/>
-          <p:cNvSpPr>
-            <a:spLocks noGrp="1"/>
-          </p:cNvSpPr>
-          <p:nvPr>
-            <p:ph type="pic" sz="quarter" idx="10"/>
-          </p:nvPr>
-        </p:nvSpPr>
-        <p:spPr/>
-      </p:sp>
-      <p:sp>
-        <p:nvSpPr>
-          <p:cNvPr id="2" name="Подзаголовок 1"/>
-          <p:cNvSpPr>
-            <a:spLocks noGrp="1"/>
-          </p:cNvSpPr>
-          <p:nvPr>
-            <p:ph type="subTitle" idx="4294967295"/>
-          </p:nvPr>
-        </p:nvSpPr>
-        <p:spPr>
-          <a:xfrm>
-            <a:off x="272144" y="908050"/>
-            <a:ext cx="7375154" cy="454573"/>
-          </a:xfrm>
-        </p:spPr>
-        <p:txBody>
-          <a:bodyPr>
-            <a:normAutofit lnSpcReduction="10000"/>
-          </a:bodyPr>
-          <a:lstStyle/>
-          <a:p>
-            <a:endParaRPr lang="uk-UA" dirty="0"/>
-          </a:p>
-        </p:txBody>
-      </p:sp>
+          <a:p>
+            <a:r>
+              <a:rPr lang="en-US"/>
+              <a:t>Class Diagram</a:t>
+            </a:r>
+            <a:endParaRPr lang="en-US"/>
+          </a:p>
+        </p:txBody>
+      </p:sp>
+      <p:pic>
+        <p:nvPicPr>
+          <p:cNvPr id="2" name="Table Placeholder 1"/>
+          <p:cNvPicPr>
+            <a:picLocks noChangeAspect="1"/>
+          </p:cNvPicPr>
+          <p:nvPr>
+            <p:ph type="tbl" sz="quarter" idx="10"/>
+          </p:nvPr>
+        </p:nvPicPr>
+        <p:blipFill>
+          <a:blip r:embed="rId1"/>
+          <a:stretch>
+            <a:fillRect/>
+          </a:stretch>
+        </p:blipFill>
+        <p:spPr>
+          <a:xfrm>
+            <a:off x="438150" y="1183640"/>
+            <a:ext cx="8315960" cy="4391025"/>
+          </a:xfrm>
+          <a:prstGeom prst="rect">
+            <a:avLst/>
+          </a:prstGeom>
+        </p:spPr>
+      </p:pic>
     </p:spTree>
   </p:cSld>
   <p:clrMapOvr>
     <a:masterClrMapping/>
   </p:clrMapOvr>
-  <p:timing>
-    <p:tnLst>
-      <p:par>
-        <p:cTn id="1" dur="indefinite" restart="never" nodeType="tmRoot"/>
-      </p:par>
-    </p:tnLst>
-  </p:timing>
 </p:sld>
 </file>
 

--- a/education/Command and Visitor patterns.pptx
+++ b/education/Command and Visitor patterns.pptx
@@ -10,28 +10,27 @@
     <p:notesMasterId r:id="rId6"/>
   </p:notesMasterIdLst>
   <p:handoutMasterIdLst>
-    <p:handoutMasterId r:id="rId25"/>
+    <p:handoutMasterId r:id="rId24"/>
   </p:handoutMasterIdLst>
   <p:sldIdLst>
     <p:sldId id="287" r:id="rId5"/>
     <p:sldId id="268" r:id="rId7"/>
-    <p:sldId id="315" r:id="rId8"/>
-    <p:sldId id="314" r:id="rId9"/>
-    <p:sldId id="300" r:id="rId10"/>
-    <p:sldId id="267" r:id="rId11"/>
-    <p:sldId id="320" r:id="rId12"/>
-    <p:sldId id="281" r:id="rId13"/>
-    <p:sldId id="282" r:id="rId14"/>
-    <p:sldId id="317" r:id="rId15"/>
-    <p:sldId id="316" r:id="rId16"/>
-    <p:sldId id="318" r:id="rId17"/>
-    <p:sldId id="270" r:id="rId18"/>
-    <p:sldId id="279" r:id="rId19"/>
-    <p:sldId id="269" r:id="rId20"/>
+    <p:sldId id="314" r:id="rId8"/>
+    <p:sldId id="300" r:id="rId9"/>
+    <p:sldId id="267" r:id="rId10"/>
+    <p:sldId id="320" r:id="rId11"/>
+    <p:sldId id="281" r:id="rId12"/>
+    <p:sldId id="282" r:id="rId13"/>
+    <p:sldId id="317" r:id="rId14"/>
+    <p:sldId id="316" r:id="rId15"/>
+    <p:sldId id="318" r:id="rId16"/>
+    <p:sldId id="270" r:id="rId17"/>
+    <p:sldId id="279" r:id="rId18"/>
+    <p:sldId id="269" r:id="rId19"/>
+    <p:sldId id="333" r:id="rId20"/>
     <p:sldId id="280" r:id="rId21"/>
-    <p:sldId id="272" r:id="rId22"/>
-    <p:sldId id="273" r:id="rId23"/>
-    <p:sldId id="262" r:id="rId24"/>
+    <p:sldId id="273" r:id="rId22"/>
+    <p:sldId id="262" r:id="rId23"/>
   </p:sldIdLst>
   <p:sldSz cx="9144000" cy="6858000" type="screen4x3"/>
   <p:notesSz cx="6858000" cy="9144000"/>
@@ -1006,6 +1005,270 @@
             <a:r>
               <a:rPr lang="en-US"/>
               <a:t>a device for calculating floating-point numbers</a:t>
+            </a:r>
+            <a:endParaRPr lang="en-US"/>
+          </a:p>
+        </p:txBody>
+      </p:sp>
+      <p:sp>
+        <p:nvSpPr>
+          <p:cNvPr id="4" name="Slide Number Placeholder 3"/>
+          <p:cNvSpPr>
+            <a:spLocks noGrp="1"/>
+          </p:cNvSpPr>
+          <p:nvPr>
+            <p:ph type="sldNum" sz="quarter" idx="5"/>
+          </p:nvPr>
+        </p:nvSpPr>
+        <p:spPr/>
+        <p:txBody>
+          <a:bodyPr/>
+          <a:p>
+            <a:fld id="{21B2AA4F-B828-4D7C-AFD3-893933DAFCB4}" type="slidenum">
+              <a:rPr lang="en-US" smtClean="0"/>
+            </a:fld>
+            <a:endParaRPr lang="en-US"/>
+          </a:p>
+        </p:txBody>
+      </p:sp>
+    </p:spTree>
+  </p:cSld>
+  <p:clrMapOvr>
+    <a:masterClrMapping/>
+  </p:clrMapOvr>
+</p:notes>
+</file>
+
+<file path=ppt/notesSlides/notesSlide5.xml><?xml version="1.0" encoding="utf-8"?>
+<p:notes xmlns:a="http://schemas.openxmlformats.org/drawingml/2006/main" xmlns:r="http://schemas.openxmlformats.org/officeDocument/2006/relationships" xmlns:p="http://schemas.openxmlformats.org/presentationml/2006/main">
+  <p:cSld>
+    <p:spTree>
+      <p:nvGrpSpPr>
+        <p:cNvPr id="1" name=""/>
+        <p:cNvGrpSpPr/>
+        <p:nvPr/>
+      </p:nvGrpSpPr>
+      <p:grpSpPr/>
+      <p:sp>
+        <p:nvSpPr>
+          <p:cNvPr id="2" name="Slide Image Placeholder 1"/>
+          <p:cNvSpPr/>
+          <p:nvPr>
+            <p:ph type="sldImg" idx="2"/>
+          </p:nvPr>
+        </p:nvSpPr>
+        <p:spPr/>
+      </p:sp>
+      <p:sp>
+        <p:nvSpPr>
+          <p:cNvPr id="3" name="Text Placeholder 2"/>
+          <p:cNvSpPr/>
+          <p:nvPr>
+            <p:ph type="body" idx="3"/>
+          </p:nvPr>
+        </p:nvSpPr>
+        <p:spPr/>
+        <p:txBody>
+          <a:bodyPr/>
+          <a:p>
+            <a:pPr marL="171450" indent="-171450">
+              <a:buFont typeface="Arial" charset="0"/>
+              <a:buChar char="•"/>
+            </a:pPr>
+            <a:r>
+              <a:rPr lang="en-US"/>
+              <a:t>Visitor :</a:t>
+            </a:r>
+            <a:endParaRPr lang="en-US"/>
+          </a:p>
+          <a:p>
+            <a:r>
+              <a:rPr lang="en-US"/>
+              <a:t>Provides an abstract interface (a set of VisitConcretElementX methods) to work with</a:t>
+            </a:r>
+            <a:endParaRPr lang="en-US"/>
+          </a:p>
+          <a:p>
+            <a:r>
+              <a:rPr lang="en-US"/>
+              <a:t>objects of class ConcreteElementX. The name of the VisitConcretElementX method includes the name</a:t>
+            </a:r>
+            <a:endParaRPr lang="en-US"/>
+          </a:p>
+          <a:p>
+            <a:r>
+              <a:rPr lang="en-US"/>
+              <a:t>class, the instance of which causes this method.</a:t>
+            </a:r>
+            <a:endParaRPr lang="en-US"/>
+          </a:p>
+          <a:p>
+            <a:pPr marL="171450" indent="-171450">
+              <a:buFont typeface="Arial" charset="0"/>
+              <a:buChar char="•"/>
+            </a:pPr>
+            <a:r>
+              <a:rPr lang="en-US"/>
+              <a:t>ConcreteVisitor :</a:t>
+            </a:r>
+            <a:endParaRPr lang="en-US"/>
+          </a:p>
+          <a:p>
+            <a:r>
+              <a:rPr lang="en-US"/>
+              <a:t>It implements the abstract interface provided by the abstract class Visitor. Each</a:t>
+            </a:r>
+            <a:endParaRPr lang="en-US"/>
+          </a:p>
+          <a:p>
+            <a:r>
+              <a:rPr lang="en-US"/>
+              <a:t>The VisitConcretElementX operation implements a fragment of the algorithm specific to each</a:t>
+            </a:r>
+            <a:endParaRPr lang="en-US"/>
+          </a:p>
+          <a:p>
+            <a:r>
+              <a:rPr lang="en-US"/>
+              <a:t>of a separate ConcreteElement class.</a:t>
+            </a:r>
+            <a:endParaRPr lang="en-US"/>
+          </a:p>
+          <a:p>
+            <a:pPr marL="171450" indent="-171450">
+              <a:buFont typeface="Arial" charset="0"/>
+              <a:buChar char="•"/>
+            </a:pPr>
+            <a:r>
+              <a:rPr lang="en-US"/>
+              <a:t>Element:</a:t>
+            </a:r>
+            <a:endParaRPr lang="en-US"/>
+          </a:p>
+          <a:p>
+            <a:r>
+              <a:rPr lang="en-US"/>
+              <a:t>Provides an abstract Accept method that takes an argument of type Visitor.</a:t>
+            </a:r>
+            <a:endParaRPr lang="en-US"/>
+          </a:p>
+          <a:p>
+            <a:pPr marL="171450" indent="-171450">
+              <a:buFont typeface="Arial" charset="0"/>
+              <a:buChar char="•"/>
+            </a:pPr>
+            <a:r>
+              <a:rPr lang="en-US"/>
+              <a:t>ConcreteElement :</a:t>
+            </a:r>
+            <a:endParaRPr lang="en-US"/>
+          </a:p>
+          <a:p>
+            <a:r>
+              <a:rPr lang="en-US"/>
+              <a:t>Implements an abstract Accept method that takes an argument of type Visitor.</a:t>
+            </a:r>
+            <a:endParaRPr lang="en-US"/>
+          </a:p>
+          <a:p>
+            <a:pPr marL="171450" indent="-171450">
+              <a:buFont typeface="Arial" charset="0"/>
+              <a:buChar char="•"/>
+            </a:pPr>
+            <a:r>
+              <a:rPr lang="en-US"/>
+              <a:t>ObjectStructure:</a:t>
+            </a:r>
+            <a:endParaRPr lang="en-US"/>
+          </a:p>
+          <a:p>
+            <a:r>
+              <a:rPr lang="en-US"/>
+              <a:t>It is a collection of objects of type Element. Maybe, as an ordinary collection, so</a:t>
+            </a:r>
+            <a:endParaRPr lang="en-US"/>
+          </a:p>
+          <a:p>
+            <a:r>
+              <a:rPr lang="en-US"/>
+              <a:t>tree-like structure.</a:t>
+            </a:r>
+            <a:endParaRPr lang="en-US"/>
+          </a:p>
+        </p:txBody>
+      </p:sp>
+      <p:sp>
+        <p:nvSpPr>
+          <p:cNvPr id="4" name="Slide Number Placeholder 3"/>
+          <p:cNvSpPr>
+            <a:spLocks noGrp="1"/>
+          </p:cNvSpPr>
+          <p:nvPr>
+            <p:ph type="sldNum" sz="quarter" idx="5"/>
+          </p:nvPr>
+        </p:nvSpPr>
+        <p:spPr/>
+        <p:txBody>
+          <a:bodyPr/>
+          <a:p>
+            <a:fld id="{21B2AA4F-B828-4D7C-AFD3-893933DAFCB4}" type="slidenum">
+              <a:rPr lang="en-US" smtClean="0"/>
+            </a:fld>
+            <a:endParaRPr lang="en-US"/>
+          </a:p>
+        </p:txBody>
+      </p:sp>
+    </p:spTree>
+  </p:cSld>
+  <p:clrMapOvr>
+    <a:masterClrMapping/>
+  </p:clrMapOvr>
+</p:notes>
+</file>
+
+<file path=ppt/notesSlides/notesSlide6.xml><?xml version="1.0" encoding="utf-8"?>
+<p:notes xmlns:a="http://schemas.openxmlformats.org/drawingml/2006/main" xmlns:r="http://schemas.openxmlformats.org/officeDocument/2006/relationships" xmlns:p="http://schemas.openxmlformats.org/presentationml/2006/main">
+  <p:cSld>
+    <p:spTree>
+      <p:nvGrpSpPr>
+        <p:cNvPr id="1" name=""/>
+        <p:cNvGrpSpPr/>
+        <p:nvPr/>
+      </p:nvGrpSpPr>
+      <p:grpSpPr/>
+      <p:sp>
+        <p:nvSpPr>
+          <p:cNvPr id="2" name="Slide Image Placeholder 1"/>
+          <p:cNvSpPr/>
+          <p:nvPr>
+            <p:ph type="sldImg" idx="2"/>
+          </p:nvPr>
+        </p:nvSpPr>
+        <p:spPr/>
+      </p:sp>
+      <p:sp>
+        <p:nvSpPr>
+          <p:cNvPr id="3" name="Text Placeholder 2"/>
+          <p:cNvSpPr/>
+          <p:nvPr>
+            <p:ph type="body" idx="3"/>
+          </p:nvPr>
+        </p:nvSpPr>
+        <p:spPr/>
+        <p:txBody>
+          <a:bodyPr/>
+          <a:p>
+            <a:r>
+              <a:rPr lang="en-US"/>
+              <a:t>Santa must visit all the houses in town. In one house lives a boy, in another </a:t>
+            </a:r>
+            <a:r>
+              <a:rPr lang="uk-UA" altLang="en-US"/>
+              <a:t>- </a:t>
+            </a:r>
+            <a:r>
+              <a:rPr lang="en-US"/>
+              <a:t>girl . The task of Santa Claus to visit each house and fulfill the wishes of each child (who wants what), in other words, to perform certain operations in a certain house. For example, Santa Claus will tell the boy "fairy tale" and the girl will present "dresses".</a:t>
             </a:r>
             <a:endParaRPr lang="en-US"/>
           </a:p>
@@ -5535,42 +5798,13 @@
         <p:nvPr/>
       </p:nvGrpSpPr>
       <p:grpSpPr/>
-      <p:sp>
-        <p:nvSpPr>
-          <p:cNvPr id="5" name="Title 4"/>
-          <p:cNvSpPr>
-            <a:spLocks noGrp="1"/>
-          </p:cNvSpPr>
-          <p:nvPr>
-            <p:ph type="title"/>
-          </p:nvPr>
-        </p:nvSpPr>
-        <p:spPr>
-          <a:xfrm>
-            <a:off x="238760" y="122555"/>
-            <a:ext cx="3363595" cy="525780"/>
-          </a:xfrm>
-        </p:spPr>
-        <p:txBody>
-          <a:bodyPr/>
-          <a:p>
-            <a:r>
-              <a:rPr lang="en-US"/>
-              <a:t>Classes</a:t>
-            </a:r>
-            <a:endParaRPr lang="en-US"/>
-          </a:p>
-        </p:txBody>
-      </p:sp>
       <p:pic>
         <p:nvPicPr>
-          <p:cNvPr id="4" name="Table Placeholder 3"/>
+          <p:cNvPr id="5" name="Picture 4" descr="control"/>
           <p:cNvPicPr>
             <a:picLocks noChangeAspect="1"/>
           </p:cNvPicPr>
-          <p:nvPr>
-            <p:ph type="tbl" sz="quarter" idx="10"/>
-          </p:nvPr>
+          <p:nvPr/>
         </p:nvPicPr>
         <p:blipFill>
           <a:blip r:embed="rId1"/>
@@ -5580,8 +5814,8 @@
         </p:blipFill>
         <p:spPr>
           <a:xfrm>
-            <a:off x="3605530" y="137160"/>
-            <a:ext cx="5363845" cy="6126480"/>
+            <a:off x="6071235" y="118745"/>
+            <a:ext cx="2915285" cy="4180205"/>
           </a:xfrm>
           <a:prstGeom prst="rect">
             <a:avLst/>
@@ -5590,7 +5824,7 @@
       </p:pic>
       <p:pic>
         <p:nvPicPr>
-          <p:cNvPr id="6" name="Picture 5"/>
+          <p:cNvPr id="6" name="Picture 5" descr="ar"/>
           <p:cNvPicPr>
             <a:picLocks noChangeAspect="1"/>
           </p:cNvPicPr>
@@ -5604,8 +5838,34 @@
         </p:blipFill>
         <p:spPr>
           <a:xfrm>
-            <a:off x="822960" y="574040"/>
-            <a:ext cx="2945130" cy="5498465"/>
+            <a:off x="437515" y="101600"/>
+            <a:ext cx="2967990" cy="3442970"/>
+          </a:xfrm>
+          <a:prstGeom prst="rect">
+            <a:avLst/>
+          </a:prstGeom>
+        </p:spPr>
+      </p:pic>
+      <p:pic>
+        <p:nvPicPr>
+          <p:cNvPr id="7" name="Table Placeholder 6"/>
+          <p:cNvPicPr>
+            <a:picLocks noChangeAspect="1"/>
+          </p:cNvPicPr>
+          <p:nvPr>
+            <p:ph type="tbl" sz="quarter" idx="10"/>
+          </p:nvPr>
+        </p:nvPicPr>
+        <p:blipFill>
+          <a:blip r:embed="rId3"/>
+          <a:stretch>
+            <a:fillRect/>
+          </a:stretch>
+        </p:blipFill>
+        <p:spPr>
+          <a:xfrm>
+            <a:off x="2776220" y="3604260"/>
+            <a:ext cx="3139440" cy="2606040"/>
           </a:xfrm>
           <a:prstGeom prst="rect">
             <a:avLst/>
@@ -5629,86 +5889,137 @@
         <p:cNvGrpSpPr/>
         <p:nvPr/>
       </p:nvGrpSpPr>
-      <p:grpSpPr/>
-      <p:pic>
-        <p:nvPicPr>
-          <p:cNvPr id="5" name="Picture 4" descr="control"/>
-          <p:cNvPicPr>
-            <a:picLocks noChangeAspect="1"/>
-          </p:cNvPicPr>
+      <p:grpSpPr>
+        <a:xfrm>
+          <a:off x="0" y="0"/>
+          <a:ext cx="0" cy="0"/>
+          <a:chOff x="0" y="0"/>
+          <a:chExt cx="0" cy="0"/>
+        </a:xfrm>
+      </p:grpSpPr>
+      <p:sp>
+        <p:nvSpPr>
+          <p:cNvPr id="6" name="Заголовок 5"/>
+          <p:cNvSpPr>
+            <a:spLocks noGrp="1"/>
+          </p:cNvSpPr>
+          <p:nvPr>
+            <p:ph type="title"/>
+          </p:nvPr>
+        </p:nvSpPr>
+        <p:spPr/>
+        <p:txBody>
+          <a:bodyPr/>
+          <a:lstStyle/>
+          <a:p>
+            <a:r>
+              <a:rPr lang="en-US" altLang="uk-UA"/>
+              <a:t>When to use Command pattern</a:t>
+            </a:r>
+            <a:endParaRPr lang="en-US" altLang="uk-UA"/>
+          </a:p>
+        </p:txBody>
+      </p:sp>
+      <p:sp>
+        <p:nvSpPr>
+          <p:cNvPr id="2" name="Text Box 1"/>
+          <p:cNvSpPr txBox="1"/>
           <p:nvPr/>
-        </p:nvPicPr>
-        <p:blipFill>
-          <a:blip r:embed="rId1"/>
-          <a:stretch>
-            <a:fillRect/>
-          </a:stretch>
-        </p:blipFill>
-        <p:spPr>
-          <a:xfrm>
-            <a:off x="6071235" y="118745"/>
-            <a:ext cx="2915285" cy="4180205"/>
+        </p:nvSpPr>
+        <p:spPr>
+          <a:xfrm>
+            <a:off x="691515" y="1472565"/>
+            <a:ext cx="7771765" cy="3383280"/>
           </a:xfrm>
           <a:prstGeom prst="rect">
             <a:avLst/>
           </a:prstGeom>
-        </p:spPr>
-      </p:pic>
-      <p:pic>
-        <p:nvPicPr>
-          <p:cNvPr id="6" name="Picture 5" descr="ar"/>
-          <p:cNvPicPr>
-            <a:picLocks noChangeAspect="1"/>
-          </p:cNvPicPr>
-          <p:nvPr/>
-        </p:nvPicPr>
-        <p:blipFill>
-          <a:blip r:embed="rId2"/>
-          <a:stretch>
-            <a:fillRect/>
-          </a:stretch>
-        </p:blipFill>
-        <p:spPr>
-          <a:xfrm>
-            <a:off x="437515" y="101600"/>
-            <a:ext cx="2967990" cy="3442970"/>
-          </a:xfrm>
-          <a:prstGeom prst="rect">
-            <a:avLst/>
-          </a:prstGeom>
-        </p:spPr>
-      </p:pic>
-      <p:pic>
-        <p:nvPicPr>
-          <p:cNvPr id="7" name="Table Placeholder 6"/>
-          <p:cNvPicPr>
-            <a:picLocks noChangeAspect="1"/>
-          </p:cNvPicPr>
-          <p:nvPr>
-            <p:ph type="tbl" sz="quarter" idx="10"/>
-          </p:nvPr>
-        </p:nvPicPr>
-        <p:blipFill>
-          <a:blip r:embed="rId3"/>
-          <a:stretch>
-            <a:fillRect/>
-          </a:stretch>
-        </p:blipFill>
-        <p:spPr>
-          <a:xfrm>
-            <a:off x="2776220" y="3604260"/>
-            <a:ext cx="3139440" cy="2606040"/>
-          </a:xfrm>
-          <a:prstGeom prst="rect">
-            <a:avLst/>
-          </a:prstGeom>
-        </p:spPr>
-      </p:pic>
+          <a:noFill/>
+        </p:spPr>
+        <p:txBody>
+          <a:bodyPr wrap="square" rtlCol="0" anchor="t">
+            <a:spAutoFit/>
+          </a:bodyPr>
+          <a:p>
+            <a:pPr marL="342900" indent="-342900">
+              <a:lnSpc>
+                <a:spcPct val="200000"/>
+              </a:lnSpc>
+              <a:buFont typeface="Arial" charset="0"/>
+              <a:buChar char="•"/>
+            </a:pPr>
+            <a:r>
+              <a:rPr lang="en-US"/>
+              <a:t>When you need to parameterize the command objects with the action that you perform, for example, buttons or menu items</a:t>
+            </a:r>
+            <a:endParaRPr lang="en-US"/>
+          </a:p>
+          <a:p>
+            <a:pPr marL="342900" indent="-342900">
+              <a:lnSpc>
+                <a:spcPct val="200000"/>
+              </a:lnSpc>
+              <a:buFont typeface="Arial" charset="0"/>
+              <a:buChar char="•"/>
+            </a:pPr>
+            <a:r>
+              <a:rPr lang="en-US"/>
+              <a:t>When it is necessary to ensure </a:t>
+            </a:r>
+            <a:r>
+              <a:rPr lang="en-US">
+                <a:sym typeface="+mn-ea"/>
+              </a:rPr>
+              <a:t>cancel </a:t>
+            </a:r>
+            <a:r>
+              <a:rPr lang="en-US"/>
+              <a:t>operation</a:t>
+            </a:r>
+            <a:endParaRPr lang="en-US"/>
+          </a:p>
+          <a:p>
+            <a:pPr marL="342900" indent="-342900">
+              <a:lnSpc>
+                <a:spcPct val="200000"/>
+              </a:lnSpc>
+              <a:buFont typeface="Arial" charset="0"/>
+              <a:buChar char="•"/>
+            </a:pPr>
+            <a:r>
+              <a:rPr lang="en-US"/>
+              <a:t>When it is necessary to organize the time-diversity addition of requests to the queue and their execution </a:t>
+            </a:r>
+            <a:endParaRPr lang="en-US"/>
+          </a:p>
+          <a:p>
+            <a:pPr marL="342900" indent="-342900">
+              <a:lnSpc>
+                <a:spcPct val="200000"/>
+              </a:lnSpc>
+              <a:buFont typeface="Arial" charset="0"/>
+              <a:buChar char="•"/>
+            </a:pPr>
+            <a:r>
+              <a:rPr lang="en-US"/>
+              <a:t>When you need to create a system based on transactions</a:t>
+            </a:r>
+            <a:endParaRPr lang="en-US"/>
+          </a:p>
+        </p:txBody>
+      </p:sp>
     </p:spTree>
   </p:cSld>
   <p:clrMapOvr>
     <a:masterClrMapping/>
   </p:clrMapOvr>
+  <p:timing>
+    <p:tnLst>
+      <p:par>
+        <p:cTn id="1" dur="indefinite" restart="never" nodeType="tmRoot"/>
+      </p:par>
+    </p:tnLst>
+  </p:timing>
 </p:sld>
 </file>
 
@@ -5731,24 +6042,86 @@
       </p:grpSpPr>
       <p:sp>
         <p:nvSpPr>
-          <p:cNvPr id="6" name="Заголовок 5"/>
+          <p:cNvPr id="14" name="Подзаголовок 13"/>
           <p:cNvSpPr>
             <a:spLocks noGrp="1"/>
           </p:cNvSpPr>
           <p:nvPr>
-            <p:ph type="title"/>
+            <p:ph type="subTitle" idx="4294967295"/>
           </p:nvPr>
         </p:nvSpPr>
-        <p:spPr/>
+        <p:spPr>
+          <a:xfrm>
+            <a:off x="281214" y="908050"/>
+            <a:ext cx="7366083" cy="454573"/>
+          </a:xfrm>
+        </p:spPr>
         <p:txBody>
-          <a:bodyPr/>
+          <a:bodyPr>
+            <a:normAutofit fontScale="90000" lnSpcReduction="20000"/>
+          </a:bodyPr>
           <a:lstStyle/>
           <a:p>
-            <a:r>
-              <a:rPr lang="en-US" altLang="uk-UA"/>
-              <a:t>When to use Command pattern</a:t>
-            </a:r>
-            <a:endParaRPr lang="en-US" altLang="uk-UA"/>
+            <a:pPr marL="0" indent="0">
+              <a:buNone/>
+            </a:pPr>
+            <a:r>
+              <a:rPr lang="en-US" altLang="uk-UA" dirty="0">
+                <a:solidFill>
+                  <a:schemeClr val="tx1"/>
+                </a:solidFill>
+                <a:effectLst>
+                  <a:outerShdw blurRad="38100" dist="19050" dir="2700000" algn="tl" rotWithShape="0">
+                    <a:schemeClr val="dk1">
+                      <a:alpha val="40000"/>
+                    </a:schemeClr>
+                  </a:outerShdw>
+                </a:effectLst>
+              </a:rPr>
+              <a:t>E</a:t>
+            </a:r>
+            <a:r>
+              <a:rPr lang="uk-UA" dirty="0">
+                <a:solidFill>
+                  <a:schemeClr val="tx1"/>
+                </a:solidFill>
+                <a:effectLst>
+                  <a:outerShdw blurRad="38100" dist="19050" dir="2700000" algn="tl" rotWithShape="0">
+                    <a:schemeClr val="dk1">
+                      <a:alpha val="40000"/>
+                    </a:schemeClr>
+                  </a:outerShdw>
+                </a:effectLst>
+              </a:rPr>
+              <a:t>xamples in </a:t>
+            </a:r>
+            <a:r>
+              <a:rPr lang="en-US" dirty="0">
+                <a:solidFill>
+                  <a:schemeClr val="tx1"/>
+                </a:solidFill>
+                <a:effectLst>
+                  <a:outerShdw blurRad="38100" dist="19050" dir="2700000" algn="tl" rotWithShape="0">
+                    <a:schemeClr val="dk1">
+                      <a:alpha val="40000"/>
+                    </a:schemeClr>
+                  </a:outerShdw>
+                </a:effectLst>
+              </a:rPr>
+              <a:t>.Net</a:t>
+            </a:r>
+            <a:endParaRPr lang="en-US" dirty="0">
+              <a:solidFill>
+                <a:schemeClr val="tx1"/>
+              </a:solidFill>
+              <a:effectLst>
+                <a:outerShdw blurRad="38100" dist="19050" dir="2700000" algn="tl" rotWithShape="0">
+                  <a:schemeClr val="dk1">
+                    <a:alpha val="40000"/>
+                  </a:schemeClr>
+                </a:outerShdw>
+              </a:effectLst>
+            </a:endParaRPr>
           </a:p>
         </p:txBody>
       </p:sp>
@@ -5760,8 +6133,8 @@
         </p:nvSpPr>
         <p:spPr>
           <a:xfrm>
-            <a:off x="691515" y="1472565"/>
-            <a:ext cx="7771765" cy="3383280"/>
+            <a:off x="873125" y="2301240"/>
+            <a:ext cx="7513955" cy="1920240"/>
           </a:xfrm>
           <a:prstGeom prst="rect">
             <a:avLst/>
@@ -5773,70 +6146,76 @@
             <a:spAutoFit/>
           </a:bodyPr>
           <a:p>
-            <a:pPr marL="342900" indent="-342900">
+            <a:pPr marL="285750" indent="-285750">
               <a:lnSpc>
-                <a:spcPct val="200000"/>
+                <a:spcPct val="150000"/>
               </a:lnSpc>
               <a:buFont typeface="Arial" charset="0"/>
               <a:buChar char="•"/>
             </a:pPr>
             <a:r>
-              <a:rPr lang="en-US"/>
-              <a:t>When you need to parameterize the command objects with the action that you perform, for example, buttons or menu items</a:t>
-            </a:r>
-            <a:endParaRPr lang="en-US"/>
-          </a:p>
-          <a:p>
-            <a:pPr marL="342900" indent="-342900">
+              <a:rPr lang="en-US" sz="2000">
+                <a:solidFill>
+                  <a:schemeClr val="tx1"/>
+                </a:solidFill>
+                <a:effectLst>
+                  <a:outerShdw blurRad="38100" dist="19050" dir="2700000" algn="tl" rotWithShape="0">
+                    <a:schemeClr val="dk1">
+                      <a:alpha val="40000"/>
+                    </a:schemeClr>
+                  </a:outerShdw>
+                </a:effectLst>
+              </a:rPr>
+              <a:t>ICommand in WPF, on the basis of which the binding of operations to events of the user interface is constructed;</a:t>
+            </a:r>
+            <a:endParaRPr lang="en-US" sz="2000">
+              <a:solidFill>
+                <a:schemeClr val="tx1"/>
+              </a:solidFill>
+              <a:effectLst>
+                <a:outerShdw blurRad="38100" dist="19050" dir="2700000" algn="tl" rotWithShape="0">
+                  <a:schemeClr val="dk1">
+                    <a:alpha val="40000"/>
+                  </a:schemeClr>
+                </a:outerShdw>
+              </a:effectLst>
+            </a:endParaRPr>
+          </a:p>
+          <a:p>
+            <a:pPr marL="285750" indent="-285750">
               <a:lnSpc>
-                <a:spcPct val="200000"/>
+                <a:spcPct val="150000"/>
               </a:lnSpc>
               <a:buFont typeface="Arial" charset="0"/>
               <a:buChar char="•"/>
             </a:pPr>
             <a:r>
-              <a:rPr lang="en-US"/>
-              <a:t>When it is necessary to ensure </a:t>
-            </a:r>
-            <a:r>
-              <a:rPr lang="en-US">
-                <a:sym typeface="+mn-ea"/>
+              <a:rPr lang="en-US" sz="2000">
+                <a:solidFill>
+                  <a:schemeClr val="tx1"/>
+                </a:solidFill>
+                <a:effectLst>
+                  <a:outerShdw blurRad="38100" dist="19050" dir="2700000" algn="tl" rotWithShape="0">
+                    <a:schemeClr val="dk1">
+                      <a:alpha val="40000"/>
+                    </a:schemeClr>
+                  </a:outerShdw>
+                </a:effectLst>
               </a:rPr>
-              <a:t>cancel </a:t>
-            </a:r>
-            <a:r>
-              <a:rPr lang="en-US"/>
-              <a:t>operation</a:t>
-            </a:r>
-            <a:endParaRPr lang="en-US"/>
-          </a:p>
-          <a:p>
-            <a:pPr marL="342900" indent="-342900">
-              <a:lnSpc>
-                <a:spcPct val="200000"/>
-              </a:lnSpc>
-              <a:buFont typeface="Arial" charset="0"/>
-              <a:buChar char="•"/>
-            </a:pPr>
-            <a:r>
-              <a:rPr lang="en-US"/>
-              <a:t>When it is necessary to organize the time-diversity addition of requests to the queue and their execution </a:t>
-            </a:r>
-            <a:endParaRPr lang="en-US"/>
-          </a:p>
-          <a:p>
-            <a:pPr marL="342900" indent="-342900">
-              <a:lnSpc>
-                <a:spcPct val="200000"/>
-              </a:lnSpc>
-              <a:buFont typeface="Arial" charset="0"/>
-              <a:buChar char="•"/>
-            </a:pPr>
-            <a:r>
-              <a:rPr lang="en-US"/>
-              <a:t>When you need to create a system based on transactions</a:t>
-            </a:r>
-            <a:endParaRPr lang="en-US"/>
+              <a:t>IDbCommand in ADO.NET encapsulates an operation executed on the DBMS side;</a:t>
+            </a:r>
+            <a:endParaRPr lang="en-US" sz="2000">
+              <a:solidFill>
+                <a:schemeClr val="tx1"/>
+              </a:solidFill>
+              <a:effectLst>
+                <a:outerShdw blurRad="38100" dist="19050" dir="2700000" algn="tl" rotWithShape="0">
+                  <a:schemeClr val="dk1">
+                    <a:alpha val="40000"/>
+                  </a:schemeClr>
+                </a:outerShdw>
+              </a:effectLst>
+            </a:endParaRPr>
           </a:p>
         </p:txBody>
       </p:sp>
@@ -5874,86 +6253,24 @@
       </p:grpSpPr>
       <p:sp>
         <p:nvSpPr>
-          <p:cNvPr id="14" name="Подзаголовок 13"/>
+          <p:cNvPr id="6" name="Заголовок 5"/>
           <p:cNvSpPr>
             <a:spLocks noGrp="1"/>
           </p:cNvSpPr>
           <p:nvPr>
-            <p:ph type="subTitle" idx="4294967295"/>
+            <p:ph type="title"/>
           </p:nvPr>
         </p:nvSpPr>
-        <p:spPr>
-          <a:xfrm>
-            <a:off x="281214" y="908050"/>
-            <a:ext cx="7366083" cy="454573"/>
-          </a:xfrm>
-        </p:spPr>
+        <p:spPr/>
         <p:txBody>
-          <a:bodyPr>
-            <a:normAutofit fontScale="90000" lnSpcReduction="20000"/>
-          </a:bodyPr>
+          <a:bodyPr/>
           <a:lstStyle/>
           <a:p>
-            <a:pPr marL="0" indent="0">
-              <a:buNone/>
-            </a:pPr>
-            <a:r>
-              <a:rPr lang="en-US" altLang="uk-UA" dirty="0">
-                <a:solidFill>
-                  <a:schemeClr val="tx1"/>
-                </a:solidFill>
-                <a:effectLst>
-                  <a:outerShdw blurRad="38100" dist="19050" dir="2700000" algn="tl" rotWithShape="0">
-                    <a:schemeClr val="dk1">
-                      <a:alpha val="40000"/>
-                    </a:schemeClr>
-                  </a:outerShdw>
-                </a:effectLst>
-              </a:rPr>
-              <a:t>E</a:t>
-            </a:r>
-            <a:r>
-              <a:rPr lang="uk-UA" dirty="0">
-                <a:solidFill>
-                  <a:schemeClr val="tx1"/>
-                </a:solidFill>
-                <a:effectLst>
-                  <a:outerShdw blurRad="38100" dist="19050" dir="2700000" algn="tl" rotWithShape="0">
-                    <a:schemeClr val="dk1">
-                      <a:alpha val="40000"/>
-                    </a:schemeClr>
-                  </a:outerShdw>
-                </a:effectLst>
-              </a:rPr>
-              <a:t>xamples in </a:t>
-            </a:r>
-            <a:r>
-              <a:rPr lang="en-US" dirty="0">
-                <a:solidFill>
-                  <a:schemeClr val="tx1"/>
-                </a:solidFill>
-                <a:effectLst>
-                  <a:outerShdw blurRad="38100" dist="19050" dir="2700000" algn="tl" rotWithShape="0">
-                    <a:schemeClr val="dk1">
-                      <a:alpha val="40000"/>
-                    </a:schemeClr>
-                  </a:outerShdw>
-                </a:effectLst>
-              </a:rPr>
-              <a:t>.Net</a:t>
-            </a:r>
-            <a:endParaRPr lang="en-US" dirty="0">
-              <a:solidFill>
-                <a:schemeClr val="tx1"/>
-              </a:solidFill>
-              <a:effectLst>
-                <a:outerShdw blurRad="38100" dist="19050" dir="2700000" algn="tl" rotWithShape="0">
-                  <a:schemeClr val="dk1">
-                    <a:alpha val="40000"/>
-                  </a:schemeClr>
-                </a:outerShdw>
-              </a:effectLst>
-            </a:endParaRPr>
+            <a:r>
+              <a:rPr lang="en-US" altLang="uk-UA" b="1"/>
+              <a:t>Visitor pattern</a:t>
+            </a:r>
+            <a:endParaRPr lang="en-US" altLang="uk-UA" b="1"/>
           </a:p>
         </p:txBody>
       </p:sp>
@@ -5965,8 +6282,8 @@
         </p:nvSpPr>
         <p:spPr>
           <a:xfrm>
-            <a:off x="873125" y="2301240"/>
-            <a:ext cx="7513955" cy="1920240"/>
+            <a:off x="1075690" y="1570990"/>
+            <a:ext cx="7255510" cy="2148840"/>
           </a:xfrm>
           <a:prstGeom prst="rect">
             <a:avLst/>
@@ -5978,79 +6295,45 @@
             <a:spAutoFit/>
           </a:bodyPr>
           <a:p>
-            <a:pPr marL="285750" indent="-285750">
+            <a:pPr>
               <a:lnSpc>
                 <a:spcPct val="150000"/>
               </a:lnSpc>
-              <a:buFont typeface="Arial" charset="0"/>
-              <a:buChar char="•"/>
             </a:pPr>
             <a:r>
-              <a:rPr lang="en-US" sz="2000">
-                <a:solidFill>
-                  <a:schemeClr val="tx1"/>
-                </a:solidFill>
-                <a:effectLst>
-                  <a:outerShdw blurRad="38100" dist="19050" dir="2700000" algn="tl" rotWithShape="0">
-                    <a:schemeClr val="dk1">
-                      <a:alpha val="40000"/>
-                    </a:schemeClr>
-                  </a:outerShdw>
-                </a:effectLst>
-              </a:rPr>
-              <a:t>ICommand in WPF, on the basis of which the binding of operations to events of the user interface is constructed;</a:t>
-            </a:r>
-            <a:endParaRPr lang="en-US" sz="2000">
-              <a:solidFill>
-                <a:schemeClr val="tx1"/>
-              </a:solidFill>
-              <a:effectLst>
-                <a:outerShdw blurRad="38100" dist="19050" dir="2700000" algn="tl" rotWithShape="0">
-                  <a:schemeClr val="dk1">
-                    <a:alpha val="40000"/>
-                  </a:schemeClr>
-                </a:outerShdw>
-              </a:effectLst>
-            </a:endParaRPr>
-          </a:p>
-          <a:p>
-            <a:pPr marL="285750" indent="-285750">
-              <a:lnSpc>
-                <a:spcPct val="150000"/>
-              </a:lnSpc>
-              <a:buFont typeface="Arial" charset="0"/>
-              <a:buChar char="•"/>
-            </a:pPr>
-            <a:r>
-              <a:rPr lang="en-US" sz="2000">
-                <a:solidFill>
-                  <a:schemeClr val="tx1"/>
-                </a:solidFill>
-                <a:effectLst>
-                  <a:outerShdw blurRad="38100" dist="19050" dir="2700000" algn="tl" rotWithShape="0">
-                    <a:schemeClr val="dk1">
-                      <a:alpha val="40000"/>
-                    </a:schemeClr>
-                  </a:outerShdw>
-                </a:effectLst>
-              </a:rPr>
-              <a:t>IDbCommand in ADO.NET encapsulates an operation executed on the DBMS side;</a:t>
-            </a:r>
-            <a:endParaRPr lang="en-US" sz="2000">
-              <a:solidFill>
-                <a:schemeClr val="tx1"/>
-              </a:solidFill>
-              <a:effectLst>
-                <a:outerShdw blurRad="38100" dist="19050" dir="2700000" algn="tl" rotWithShape="0">
-                  <a:schemeClr val="dk1">
-                    <a:alpha val="40000"/>
-                  </a:schemeClr>
-                </a:outerShdw>
-              </a:effectLst>
-            </a:endParaRPr>
+              <a:rPr lang="en-US"/>
+              <a:t>The Visitor pattern allows you to uniformly bypass a set of elements with heterogeneous interfaces (that is, a set of objects of different classes without leading them to a common base type), and also allows you to add a new method (function) to the object class, without changing the class of this object .</a:t>
+            </a:r>
+            <a:endParaRPr lang="en-US"/>
           </a:p>
         </p:txBody>
       </p:sp>
+      <p:pic>
+        <p:nvPicPr>
+          <p:cNvPr id="3" name="Table Placeholder 2"/>
+          <p:cNvPicPr>
+            <a:picLocks noChangeAspect="1"/>
+          </p:cNvPicPr>
+          <p:nvPr>
+            <p:ph type="tbl" sz="quarter" idx="10"/>
+          </p:nvPr>
+        </p:nvPicPr>
+        <p:blipFill>
+          <a:blip r:embed="rId1"/>
+          <a:stretch>
+            <a:fillRect/>
+          </a:stretch>
+        </p:blipFill>
+        <p:spPr>
+          <a:xfrm>
+            <a:off x="1602740" y="3743960"/>
+            <a:ext cx="6532245" cy="2169795"/>
+          </a:xfrm>
+          <a:prstGeom prst="rect">
+            <a:avLst/>
+          </a:prstGeom>
+        </p:spPr>
+      </p:pic>
     </p:spTree>
   </p:cSld>
   <p:clrMapOvr>
@@ -6085,39 +6368,56 @@
       </p:grpSpPr>
       <p:sp>
         <p:nvSpPr>
-          <p:cNvPr id="7" name="Таблица 6"/>
+          <p:cNvPr id="2" name="Подзаголовок 1"/>
           <p:cNvSpPr>
             <a:spLocks noGrp="1"/>
           </p:cNvSpPr>
           <p:nvPr>
-            <p:ph type="tbl" sz="quarter" idx="10"/>
+            <p:ph type="subTitle" idx="4294967295"/>
           </p:nvPr>
         </p:nvSpPr>
-        <p:spPr/>
-      </p:sp>
-      <p:sp>
-        <p:nvSpPr>
-          <p:cNvPr id="6" name="Заголовок 5"/>
-          <p:cNvSpPr>
-            <a:spLocks noGrp="1"/>
-          </p:cNvSpPr>
+        <p:spPr>
+          <a:xfrm>
+            <a:off x="272144" y="908050"/>
+            <a:ext cx="7375154" cy="454573"/>
+          </a:xfrm>
+        </p:spPr>
+        <p:txBody>
+          <a:bodyPr>
+            <a:normAutofit lnSpcReduction="10000"/>
+          </a:bodyPr>
+          <a:lstStyle/>
+          <a:p>
+            <a:endParaRPr lang="uk-UA" dirty="0"/>
+          </a:p>
+        </p:txBody>
+      </p:sp>
+      <p:pic>
+        <p:nvPicPr>
+          <p:cNvPr id="6" name="Picture Placeholder 5"/>
+          <p:cNvPicPr>
+            <a:picLocks noChangeAspect="1"/>
+          </p:cNvPicPr>
           <p:nvPr>
-            <p:ph type="title"/>
+            <p:ph type="pic" sz="quarter" idx="10"/>
           </p:nvPr>
-        </p:nvSpPr>
-        <p:spPr/>
-        <p:txBody>
-          <a:bodyPr/>
-          <a:lstStyle/>
-          <a:p>
-            <a:r>
-              <a:rPr lang="en-US" altLang="uk-UA"/>
-              <a:t>Visitor pattern</a:t>
-            </a:r>
-            <a:endParaRPr lang="en-US" altLang="uk-UA"/>
-          </a:p>
-        </p:txBody>
-      </p:sp>
+        </p:nvPicPr>
+        <p:blipFill>
+          <a:blip r:embed="rId1"/>
+          <a:stretch>
+            <a:fillRect/>
+          </a:stretch>
+        </p:blipFill>
+        <p:spPr>
+          <a:xfrm>
+            <a:off x="925195" y="1437005"/>
+            <a:ext cx="6970395" cy="4596765"/>
+          </a:xfrm>
+          <a:prstGeom prst="rect">
+            <a:avLst/>
+          </a:prstGeom>
+        </p:spPr>
+      </p:pic>
     </p:spTree>
   </p:cSld>
   <p:clrMapOvr>
@@ -6142,83 +6442,36 @@
         <p:cNvGrpSpPr/>
         <p:nvPr/>
       </p:nvGrpSpPr>
-      <p:grpSpPr>
-        <a:xfrm>
-          <a:off x="0" y="0"/>
-          <a:ext cx="0" cy="0"/>
-          <a:chOff x="0" y="0"/>
-          <a:chExt cx="0" cy="0"/>
-        </a:xfrm>
-      </p:grpSpPr>
-      <p:sp>
-        <p:nvSpPr>
-          <p:cNvPr id="3" name="Текст 2"/>
-          <p:cNvSpPr>
-            <a:spLocks noGrp="1"/>
-          </p:cNvSpPr>
-          <p:nvPr>
-            <p:ph type="body" sz="half" idx="2"/>
-          </p:nvPr>
-        </p:nvSpPr>
-        <p:spPr/>
-        <p:txBody>
-          <a:bodyPr/>
-          <a:lstStyle/>
-          <a:p>
-            <a:endParaRPr lang="uk-UA"/>
-          </a:p>
-        </p:txBody>
-      </p:sp>
-      <p:sp>
-        <p:nvSpPr>
-          <p:cNvPr id="4" name="Рисунок 3"/>
-          <p:cNvSpPr>
-            <a:spLocks noGrp="1"/>
-          </p:cNvSpPr>
-          <p:nvPr>
-            <p:ph type="pic" sz="quarter" idx="10"/>
-          </p:nvPr>
-        </p:nvSpPr>
-        <p:spPr/>
-      </p:sp>
-      <p:sp>
-        <p:nvSpPr>
-          <p:cNvPr id="2" name="Подзаголовок 1"/>
-          <p:cNvSpPr>
-            <a:spLocks noGrp="1"/>
-          </p:cNvSpPr>
-          <p:nvPr>
-            <p:ph type="subTitle" idx="4294967295"/>
-          </p:nvPr>
-        </p:nvSpPr>
-        <p:spPr>
-          <a:xfrm>
-            <a:off x="272144" y="908050"/>
-            <a:ext cx="7375154" cy="454573"/>
-          </a:xfrm>
-        </p:spPr>
-        <p:txBody>
-          <a:bodyPr>
-            <a:normAutofit lnSpcReduction="10000"/>
-          </a:bodyPr>
-          <a:lstStyle/>
-          <a:p>
-            <a:endParaRPr lang="uk-UA" dirty="0"/>
-          </a:p>
-        </p:txBody>
-      </p:sp>
+      <p:grpSpPr/>
+      <p:pic>
+        <p:nvPicPr>
+          <p:cNvPr id="7" name="Picture 6" descr="Без імені"/>
+          <p:cNvPicPr>
+            <a:picLocks noChangeAspect="1"/>
+          </p:cNvPicPr>
+          <p:nvPr/>
+        </p:nvPicPr>
+        <p:blipFill>
+          <a:blip r:embed="rId1"/>
+          <a:stretch>
+            <a:fillRect/>
+          </a:stretch>
+        </p:blipFill>
+        <p:spPr>
+          <a:xfrm>
+            <a:off x="957580" y="1104900"/>
+            <a:ext cx="8035290" cy="3731895"/>
+          </a:xfrm>
+          <a:prstGeom prst="rect">
+            <a:avLst/>
+          </a:prstGeom>
+        </p:spPr>
+      </p:pic>
     </p:spTree>
   </p:cSld>
   <p:clrMapOvr>
     <a:masterClrMapping/>
   </p:clrMapOvr>
-  <p:timing>
-    <p:tnLst>
-      <p:par>
-        <p:cTn id="1" dur="indefinite" restart="never" nodeType="tmRoot"/>
-      </p:par>
-    </p:tnLst>
-  </p:timing>
 </p:sld>
 </file>
 
@@ -6239,56 +6492,32 @@
           <a:chExt cx="0" cy="0"/>
         </a:xfrm>
       </p:grpSpPr>
-      <p:sp>
-        <p:nvSpPr>
-          <p:cNvPr id="9" name="Текст 8"/>
-          <p:cNvSpPr>
-            <a:spLocks noGrp="1"/>
-          </p:cNvSpPr>
+      <p:pic>
+        <p:nvPicPr>
+          <p:cNvPr id="2" name="Table Placeholder 1"/>
+          <p:cNvPicPr>
+            <a:picLocks noChangeAspect="1"/>
+          </p:cNvPicPr>
           <p:nvPr>
-            <p:ph type="body" sz="half" idx="2"/>
+            <p:ph type="tbl" sz="quarter" idx="10"/>
           </p:nvPr>
-        </p:nvSpPr>
-        <p:spPr/>
-        <p:txBody>
-          <a:bodyPr/>
-          <a:lstStyle/>
-          <a:p>
-            <a:endParaRPr lang="uk-UA"/>
-          </a:p>
-        </p:txBody>
-      </p:sp>
-      <p:sp>
-        <p:nvSpPr>
-          <p:cNvPr id="8" name="Подзаголовок 7"/>
-          <p:cNvSpPr>
-            <a:spLocks noGrp="1"/>
-          </p:cNvSpPr>
-          <p:nvPr>
-            <p:ph type="subTitle" idx="1"/>
-          </p:nvPr>
-        </p:nvSpPr>
-        <p:spPr/>
-        <p:txBody>
-          <a:bodyPr/>
-          <a:lstStyle/>
-          <a:p>
-            <a:endParaRPr lang="uk-UA"/>
-          </a:p>
-        </p:txBody>
-      </p:sp>
-      <p:sp>
-        <p:nvSpPr>
-          <p:cNvPr id="10" name="Рисунок 9"/>
-          <p:cNvSpPr>
-            <a:spLocks noGrp="1"/>
-          </p:cNvSpPr>
-          <p:nvPr>
-            <p:ph type="pic" sz="quarter" idx="10"/>
-          </p:nvPr>
-        </p:nvSpPr>
-        <p:spPr/>
-      </p:sp>
+        </p:nvPicPr>
+        <p:blipFill>
+          <a:blip r:embed="rId1"/>
+          <a:stretch>
+            <a:fillRect/>
+          </a:stretch>
+        </p:blipFill>
+        <p:spPr>
+          <a:xfrm>
+            <a:off x="1974215" y="38735"/>
+            <a:ext cx="5791835" cy="6794500"/>
+          </a:xfrm>
+          <a:prstGeom prst="rect">
+            <a:avLst/>
+          </a:prstGeom>
+        </p:spPr>
+      </p:pic>
     </p:spTree>
   </p:cSld>
   <p:clrMapOvr>
@@ -6316,7 +6545,7 @@
       </p:grpSpPr>
       <p:sp>
         <p:nvSpPr>
-          <p:cNvPr id="14" name="Текст 13"/>
+          <p:cNvPr id="17" name="Текст 16"/>
           <p:cNvSpPr>
             <a:spLocks noGrp="1"/>
           </p:cNvSpPr>
@@ -6324,50 +6553,103 @@
             <p:ph type="body" sz="half" idx="2"/>
           </p:nvPr>
         </p:nvSpPr>
+        <p:spPr>
+          <a:xfrm>
+            <a:off x="272415" y="1233805"/>
+            <a:ext cx="8321040" cy="4535170"/>
+          </a:xfrm>
+        </p:spPr>
+        <p:txBody>
+          <a:bodyPr>
+            <a:normAutofit lnSpcReduction="20000"/>
+          </a:bodyPr>
+          <a:lstStyle/>
+          <a:p>
+            <a:pPr marL="342900" indent="-342900">
+              <a:lnSpc>
+                <a:spcPct val="150000"/>
+              </a:lnSpc>
+              <a:buFont typeface="Arial" charset="0"/>
+              <a:buChar char="•"/>
+            </a:pPr>
+            <a:r>
+              <a:rPr lang="uk-UA"/>
+              <a:t>When there are many objects of heterogeneous classes with different interfaces, and you want to perform a series of operations on each of these objects</a:t>
+            </a:r>
+            <a:endParaRPr lang="uk-UA"/>
+          </a:p>
+          <a:p>
+            <a:pPr marL="342900" indent="-342900">
+              <a:lnSpc>
+                <a:spcPct val="150000"/>
+              </a:lnSpc>
+              <a:buFont typeface="Arial" charset="0"/>
+              <a:buChar char="•"/>
+            </a:pPr>
+            <a:endParaRPr lang="uk-UA"/>
+          </a:p>
+          <a:p>
+            <a:pPr marL="342900" indent="-342900">
+              <a:lnSpc>
+                <a:spcPct val="150000"/>
+              </a:lnSpc>
+              <a:buFont typeface="Arial" charset="0"/>
+              <a:buChar char="•"/>
+            </a:pPr>
+            <a:r>
+              <a:rPr lang="uk-UA"/>
+              <a:t>When classes need to add the same set of operations without changing these classes</a:t>
+            </a:r>
+            <a:endParaRPr lang="uk-UA"/>
+          </a:p>
+          <a:p>
+            <a:pPr marL="342900" indent="-342900">
+              <a:lnSpc>
+                <a:spcPct val="150000"/>
+              </a:lnSpc>
+              <a:buFont typeface="Arial" charset="0"/>
+              <a:buChar char="•"/>
+            </a:pPr>
+            <a:endParaRPr lang="uk-UA"/>
+          </a:p>
+          <a:p>
+            <a:pPr marL="342900" indent="-342900">
+              <a:lnSpc>
+                <a:spcPct val="150000"/>
+              </a:lnSpc>
+              <a:buFont typeface="Arial" charset="0"/>
+              <a:buChar char="•"/>
+            </a:pPr>
+            <a:r>
+              <a:rPr lang="uk-UA"/>
+              <a:t>When new operations are often added to classes, the overall class structure is stable and practically unchanged</a:t>
+            </a:r>
+            <a:endParaRPr lang="uk-UA"/>
+          </a:p>
+        </p:txBody>
+      </p:sp>
+      <p:sp>
+        <p:nvSpPr>
+          <p:cNvPr id="16" name="Подзаголовок 15"/>
+          <p:cNvSpPr>
+            <a:spLocks noGrp="1"/>
+          </p:cNvSpPr>
+          <p:nvPr>
+            <p:ph type="subTitle" idx="1"/>
+          </p:nvPr>
+        </p:nvSpPr>
         <p:spPr/>
         <p:txBody>
           <a:bodyPr/>
           <a:lstStyle/>
           <a:p>
-            <a:endParaRPr lang="uk-UA"/>
+            <a:r>
+              <a:rPr lang="en-US"/>
+              <a:t>When to use pattern Visitor</a:t>
+            </a:r>
+            <a:endParaRPr lang="en-US"/>
           </a:p>
         </p:txBody>
-      </p:sp>
-      <p:sp>
-        <p:nvSpPr>
-          <p:cNvPr id="13" name="Подзаголовок 12"/>
-          <p:cNvSpPr>
-            <a:spLocks noGrp="1"/>
-          </p:cNvSpPr>
-          <p:nvPr>
-            <p:ph type="subTitle" idx="4294967295"/>
-          </p:nvPr>
-        </p:nvSpPr>
-        <p:spPr>
-          <a:xfrm>
-            <a:off x="272143" y="908050"/>
-            <a:ext cx="8674220" cy="501650"/>
-          </a:xfrm>
-        </p:spPr>
-        <p:txBody>
-          <a:bodyPr/>
-          <a:lstStyle/>
-          <a:p>
-            <a:endParaRPr lang="uk-UA"/>
-          </a:p>
-        </p:txBody>
-      </p:sp>
-      <p:sp>
-        <p:nvSpPr>
-          <p:cNvPr id="5" name="Chart Placeholder 4"/>
-          <p:cNvSpPr>
-            <a:spLocks noGrp="1"/>
-          </p:cNvSpPr>
-          <p:nvPr>
-            <p:ph type="chart" sz="quarter" idx="10"/>
-          </p:nvPr>
-        </p:nvSpPr>
-        <p:spPr/>
       </p:sp>
     </p:spTree>
   </p:cSld>
@@ -6403,88 +6685,6 @@
       </p:grpSpPr>
       <p:sp>
         <p:nvSpPr>
-          <p:cNvPr id="17" name="Текст 16"/>
-          <p:cNvSpPr>
-            <a:spLocks noGrp="1"/>
-          </p:cNvSpPr>
-          <p:nvPr>
-            <p:ph type="body" sz="half" idx="2"/>
-          </p:nvPr>
-        </p:nvSpPr>
-        <p:spPr/>
-        <p:txBody>
-          <a:bodyPr/>
-          <a:lstStyle/>
-          <a:p>
-            <a:endParaRPr lang="uk-UA"/>
-          </a:p>
-        </p:txBody>
-      </p:sp>
-      <p:sp>
-        <p:nvSpPr>
-          <p:cNvPr id="18" name="Диаграмма 17"/>
-          <p:cNvSpPr>
-            <a:spLocks noGrp="1"/>
-          </p:cNvSpPr>
-          <p:nvPr>
-            <p:ph type="chart" sz="quarter" idx="10"/>
-          </p:nvPr>
-        </p:nvSpPr>
-        <p:spPr/>
-      </p:sp>
-      <p:sp>
-        <p:nvSpPr>
-          <p:cNvPr id="16" name="Подзаголовок 15"/>
-          <p:cNvSpPr>
-            <a:spLocks noGrp="1"/>
-          </p:cNvSpPr>
-          <p:nvPr>
-            <p:ph type="subTitle" idx="1"/>
-          </p:nvPr>
-        </p:nvSpPr>
-        <p:spPr/>
-        <p:txBody>
-          <a:bodyPr/>
-          <a:lstStyle/>
-          <a:p>
-            <a:endParaRPr lang="uk-UA"/>
-          </a:p>
-        </p:txBody>
-      </p:sp>
-    </p:spTree>
-  </p:cSld>
-  <p:clrMapOvr>
-    <a:masterClrMapping/>
-  </p:clrMapOvr>
-  <p:timing>
-    <p:tnLst>
-      <p:par>
-        <p:cTn id="1" dur="indefinite" restart="never" nodeType="tmRoot"/>
-      </p:par>
-    </p:tnLst>
-  </p:timing>
-</p:sld>
-</file>
-
-<file path=ppt/slides/slide19.xml><?xml version="1.0" encoding="utf-8"?>
-<p:sld xmlns:a="http://schemas.openxmlformats.org/drawingml/2006/main" xmlns:r="http://schemas.openxmlformats.org/officeDocument/2006/relationships" xmlns:p="http://schemas.openxmlformats.org/presentationml/2006/main">
-  <p:cSld>
-    <p:spTree>
-      <p:nvGrpSpPr>
-        <p:cNvPr id="1" name=""/>
-        <p:cNvGrpSpPr/>
-        <p:nvPr/>
-      </p:nvGrpSpPr>
-      <p:grpSpPr>
-        <a:xfrm>
-          <a:off x="0" y="0"/>
-          <a:ext cx="0" cy="0"/>
-          <a:chOff x="0" y="0"/>
-          <a:chExt cx="0" cy="0"/>
-        </a:xfrm>
-      </p:grpSpPr>
-      <p:sp>
-        <p:nvSpPr>
           <p:cNvPr id="2" name="Заголовок 1"/>
           <p:cNvSpPr>
             <a:spLocks noGrp="1"/>
@@ -6537,22 +6737,17 @@
             <p:ph type="subTitle" idx="1"/>
           </p:nvPr>
         </p:nvSpPr>
-        <p:spPr>
-          <a:xfrm>
-            <a:off x="280670" y="1154430"/>
-            <a:ext cx="8641080" cy="454660"/>
-          </a:xfrm>
-        </p:spPr>
+        <p:spPr/>
         <p:txBody>
           <a:bodyPr/>
           <a:lstStyle/>
           <a:p>
             <a:pPr algn="ctr"/>
             <a:r>
-              <a:rPr lang="en-US" dirty="0"/>
+              <a:rPr lang="en-US" b="1" dirty="0"/>
               <a:t>Command pattern</a:t>
             </a:r>
-            <a:endParaRPr lang="en-US" dirty="0"/>
+            <a:endParaRPr lang="en-US" b="1" dirty="0"/>
           </a:p>
         </p:txBody>
       </p:sp>
@@ -6564,7 +6759,7 @@
         </p:nvSpPr>
         <p:spPr>
           <a:xfrm>
-            <a:off x="657225" y="2747010"/>
+            <a:off x="631825" y="1301750"/>
             <a:ext cx="7482205" cy="1737360"/>
           </a:xfrm>
           <a:prstGeom prst="rect">
@@ -6590,11 +6785,38 @@
           </a:p>
         </p:txBody>
       </p:sp>
+      <p:pic>
+        <p:nvPicPr>
+          <p:cNvPr id="3" name="Table Placeholder 2" descr="what-if-i-told-you-ui-buttons-also-use-command-pattern"/>
+          <p:cNvPicPr>
+            <a:picLocks noChangeAspect="1"/>
+          </p:cNvPicPr>
+          <p:nvPr>
+            <p:ph type="tbl" sz="quarter" idx="10"/>
+          </p:nvPr>
+        </p:nvPicPr>
+        <p:blipFill>
+          <a:blip r:embed="rId1"/>
+          <a:stretch>
+            <a:fillRect/>
+          </a:stretch>
+        </p:blipFill>
+        <p:spPr>
+          <a:xfrm>
+            <a:off x="2626995" y="2987040"/>
+            <a:ext cx="3810000" cy="3810000"/>
+          </a:xfrm>
+          <a:prstGeom prst="rect">
+            <a:avLst/>
+          </a:prstGeom>
+        </p:spPr>
+      </p:pic>
     </p:spTree>
   </p:cSld>
   <p:clrMapOvr>
     <a:masterClrMapping/>
   </p:clrMapOvr>
+  <p:transition/>
   <p:timing>
     <p:tnLst>
       <p:par>
@@ -6622,55 +6844,6 @@
           <a:chExt cx="0" cy="0"/>
         </a:xfrm>
       </p:grpSpPr>
-      <p:pic>
-        <p:nvPicPr>
-          <p:cNvPr id="2" name="Picture 1" descr="what-if-i-told-you-ui-buttons-also-use-command-pattern"/>
-          <p:cNvPicPr>
-            <a:picLocks noChangeAspect="1"/>
-          </p:cNvPicPr>
-          <p:nvPr/>
-        </p:nvPicPr>
-        <p:blipFill>
-          <a:blip r:embed="rId1"/>
-          <a:stretch>
-            <a:fillRect/>
-          </a:stretch>
-        </p:blipFill>
-        <p:spPr>
-          <a:xfrm>
-            <a:off x="2467610" y="1469390"/>
-            <a:ext cx="4090670" cy="4090670"/>
-          </a:xfrm>
-          <a:prstGeom prst="rect">
-            <a:avLst/>
-          </a:prstGeom>
-        </p:spPr>
-      </p:pic>
-    </p:spTree>
-  </p:cSld>
-  <p:clrMapOvr>
-    <a:masterClrMapping/>
-  </p:clrMapOvr>
-</p:sld>
-</file>
-
-<file path=ppt/slides/slide4.xml><?xml version="1.0" encoding="utf-8"?>
-<p:sld xmlns:a="http://schemas.openxmlformats.org/drawingml/2006/main" xmlns:r="http://schemas.openxmlformats.org/officeDocument/2006/relationships" xmlns:p="http://schemas.openxmlformats.org/presentationml/2006/main">
-  <p:cSld>
-    <p:spTree>
-      <p:nvGrpSpPr>
-        <p:cNvPr id="1" name=""/>
-        <p:cNvGrpSpPr/>
-        <p:nvPr/>
-      </p:nvGrpSpPr>
-      <p:grpSpPr>
-        <a:xfrm>
-          <a:off x="0" y="0"/>
-          <a:ext cx="0" cy="0"/>
-          <a:chOff x="0" y="0"/>
-          <a:chExt cx="0" cy="0"/>
-        </a:xfrm>
-      </p:grpSpPr>
       <p:sp>
         <p:nvSpPr>
           <p:cNvPr id="2" name="Subtitle 1"/>
@@ -6723,7 +6896,7 @@
 </p:sld>
 </file>
 
-<file path=ppt/slides/slide5.xml><?xml version="1.0" encoding="utf-8"?>
+<file path=ppt/slides/slide4.xml><?xml version="1.0" encoding="utf-8"?>
 <p:sld xmlns:a="http://schemas.openxmlformats.org/drawingml/2006/main" xmlns:r="http://schemas.openxmlformats.org/officeDocument/2006/relationships" xmlns:p="http://schemas.openxmlformats.org/presentationml/2006/main">
   <p:cSld>
     <p:spTree>
@@ -7334,7 +7507,7 @@
 </p:sld>
 </file>
 
-<file path=ppt/slides/slide6.xml><?xml version="1.0" encoding="utf-8"?>
+<file path=ppt/slides/slide5.xml><?xml version="1.0" encoding="utf-8"?>
 <p:sld xmlns:a="http://schemas.openxmlformats.org/drawingml/2006/main" xmlns:r="http://schemas.openxmlformats.org/officeDocument/2006/relationships" xmlns:p="http://schemas.openxmlformats.org/presentationml/2006/main">
   <p:cSld>
     <p:spTree>
@@ -7372,7 +7545,6 @@
           <a:p>
             <a:r>
               <a:rPr lang="en-US" altLang="en-US">
-                <a:ln/>
                 <a:solidFill>
                   <a:schemeClr val="tx1"/>
                 </a:solidFill>
@@ -7387,7 +7559,6 @@
               <a:t>Situation in our Life </a:t>
             </a:r>
             <a:endParaRPr lang="en-US" altLang="en-US">
-              <a:ln/>
               <a:solidFill>
                 <a:schemeClr val="tx1"/>
               </a:solidFill>
@@ -7467,7 +7638,7 @@
 </p:sld>
 </file>
 
-<file path=ppt/slides/slide7.xml><?xml version="1.0" encoding="utf-8"?>
+<file path=ppt/slides/slide6.xml><?xml version="1.0" encoding="utf-8"?>
 <p:sld xmlns:a="http://schemas.openxmlformats.org/drawingml/2006/main" xmlns:r="http://schemas.openxmlformats.org/officeDocument/2006/relationships" xmlns:p="http://schemas.openxmlformats.org/presentationml/2006/main">
   <p:cSld>
     <p:spTree>
@@ -7530,6 +7701,93 @@
   <p:clrMapOvr>
     <a:masterClrMapping/>
   </p:clrMapOvr>
+</p:sld>
+</file>
+
+<file path=ppt/slides/slide7.xml><?xml version="1.0" encoding="utf-8"?>
+<p:sld xmlns:a="http://schemas.openxmlformats.org/drawingml/2006/main" xmlns:r="http://schemas.openxmlformats.org/officeDocument/2006/relationships" xmlns:p="http://schemas.openxmlformats.org/presentationml/2006/main">
+  <p:cSld>
+    <p:spTree>
+      <p:nvGrpSpPr>
+        <p:cNvPr id="1" name=""/>
+        <p:cNvGrpSpPr/>
+        <p:nvPr/>
+      </p:nvGrpSpPr>
+      <p:grpSpPr>
+        <a:xfrm>
+          <a:off x="0" y="0"/>
+          <a:ext cx="0" cy="0"/>
+          <a:chOff x="0" y="0"/>
+          <a:chExt cx="0" cy="0"/>
+        </a:xfrm>
+      </p:grpSpPr>
+      <p:sp>
+        <p:nvSpPr>
+          <p:cNvPr id="6" name="Подзаголовок 5"/>
+          <p:cNvSpPr>
+            <a:spLocks noGrp="1"/>
+          </p:cNvSpPr>
+          <p:nvPr>
+            <p:ph type="subTitle" idx="1"/>
+          </p:nvPr>
+        </p:nvSpPr>
+        <p:spPr>
+          <a:xfrm>
+            <a:off x="273050" y="908050"/>
+            <a:ext cx="8623935" cy="454660"/>
+          </a:xfrm>
+        </p:spPr>
+        <p:txBody>
+          <a:bodyPr/>
+          <a:lstStyle/>
+          <a:p>
+            <a:pPr algn="ctr"/>
+            <a:r>
+              <a:rPr lang="en-US" altLang="uk-UA"/>
+              <a:t>Example - Calculator</a:t>
+            </a:r>
+            <a:endParaRPr lang="en-US" altLang="uk-UA"/>
+          </a:p>
+        </p:txBody>
+      </p:sp>
+      <p:pic>
+        <p:nvPicPr>
+          <p:cNvPr id="4" name="Table Placeholder 3" descr="calc"/>
+          <p:cNvPicPr>
+            <a:picLocks noChangeAspect="1"/>
+          </p:cNvPicPr>
+          <p:nvPr>
+            <p:ph type="tbl" sz="quarter" idx="10"/>
+          </p:nvPr>
+        </p:nvPicPr>
+        <p:blipFill>
+          <a:blip r:embed="rId1"/>
+          <a:stretch>
+            <a:fillRect/>
+          </a:stretch>
+        </p:blipFill>
+        <p:spPr>
+          <a:xfrm>
+            <a:off x="868680" y="2112010"/>
+            <a:ext cx="6978650" cy="3102610"/>
+          </a:xfrm>
+          <a:prstGeom prst="rect">
+            <a:avLst/>
+          </a:prstGeom>
+        </p:spPr>
+      </p:pic>
+    </p:spTree>
+  </p:cSld>
+  <p:clrMapOvr>
+    <a:masterClrMapping/>
+  </p:clrMapOvr>
+  <p:timing>
+    <p:tnLst>
+      <p:par>
+        <p:cTn id="1" dur="indefinite" restart="never" nodeType="tmRoot"/>
+      </p:par>
+    </p:tnLst>
+  </p:timing>
 </p:sld>
 </file>
 
@@ -7552,93 +7810,6 @@
       </p:grpSpPr>
       <p:sp>
         <p:nvSpPr>
-          <p:cNvPr id="6" name="Подзаголовок 5"/>
-          <p:cNvSpPr>
-            <a:spLocks noGrp="1"/>
-          </p:cNvSpPr>
-          <p:nvPr>
-            <p:ph type="subTitle" idx="1"/>
-          </p:nvPr>
-        </p:nvSpPr>
-        <p:spPr>
-          <a:xfrm>
-            <a:off x="273050" y="908050"/>
-            <a:ext cx="8623935" cy="454660"/>
-          </a:xfrm>
-        </p:spPr>
-        <p:txBody>
-          <a:bodyPr/>
-          <a:lstStyle/>
-          <a:p>
-            <a:pPr algn="ctr"/>
-            <a:r>
-              <a:rPr lang="en-US" altLang="uk-UA"/>
-              <a:t>Example - Calculator</a:t>
-            </a:r>
-            <a:endParaRPr lang="en-US" altLang="uk-UA"/>
-          </a:p>
-        </p:txBody>
-      </p:sp>
-      <p:pic>
-        <p:nvPicPr>
-          <p:cNvPr id="4" name="Table Placeholder 3" descr="calc"/>
-          <p:cNvPicPr>
-            <a:picLocks noChangeAspect="1"/>
-          </p:cNvPicPr>
-          <p:nvPr>
-            <p:ph type="tbl" sz="quarter" idx="10"/>
-          </p:nvPr>
-        </p:nvPicPr>
-        <p:blipFill>
-          <a:blip r:embed="rId1"/>
-          <a:stretch>
-            <a:fillRect/>
-          </a:stretch>
-        </p:blipFill>
-        <p:spPr>
-          <a:xfrm>
-            <a:off x="868680" y="2112010"/>
-            <a:ext cx="6978650" cy="3102610"/>
-          </a:xfrm>
-          <a:prstGeom prst="rect">
-            <a:avLst/>
-          </a:prstGeom>
-        </p:spPr>
-      </p:pic>
-    </p:spTree>
-  </p:cSld>
-  <p:clrMapOvr>
-    <a:masterClrMapping/>
-  </p:clrMapOvr>
-  <p:timing>
-    <p:tnLst>
-      <p:par>
-        <p:cTn id="1" dur="indefinite" restart="never" nodeType="tmRoot"/>
-      </p:par>
-    </p:tnLst>
-  </p:timing>
-</p:sld>
-</file>
-
-<file path=ppt/slides/slide9.xml><?xml version="1.0" encoding="utf-8"?>
-<p:sld xmlns:a="http://schemas.openxmlformats.org/drawingml/2006/main" xmlns:r="http://schemas.openxmlformats.org/officeDocument/2006/relationships" xmlns:p="http://schemas.openxmlformats.org/presentationml/2006/main">
-  <p:cSld>
-    <p:spTree>
-      <p:nvGrpSpPr>
-        <p:cNvPr id="1" name=""/>
-        <p:cNvGrpSpPr/>
-        <p:nvPr/>
-      </p:nvGrpSpPr>
-      <p:grpSpPr>
-        <a:xfrm>
-          <a:off x="0" y="0"/>
-          <a:ext cx="0" cy="0"/>
-          <a:chOff x="0" y="0"/>
-          <a:chExt cx="0" cy="0"/>
-        </a:xfrm>
-      </p:grpSpPr>
-      <p:sp>
-        <p:nvSpPr>
           <p:cNvPr id="3" name="Title 2"/>
           <p:cNvSpPr>
             <a:spLocks noGrp="1"/>
@@ -7679,6 +7850,101 @@
           <a:xfrm>
             <a:off x="438150" y="1183640"/>
             <a:ext cx="8315960" cy="4391025"/>
+          </a:xfrm>
+          <a:prstGeom prst="rect">
+            <a:avLst/>
+          </a:prstGeom>
+        </p:spPr>
+      </p:pic>
+    </p:spTree>
+  </p:cSld>
+  <p:clrMapOvr>
+    <a:masterClrMapping/>
+  </p:clrMapOvr>
+</p:sld>
+</file>
+
+<file path=ppt/slides/slide9.xml><?xml version="1.0" encoding="utf-8"?>
+<p:sld xmlns:a="http://schemas.openxmlformats.org/drawingml/2006/main" xmlns:r="http://schemas.openxmlformats.org/officeDocument/2006/relationships" xmlns:p="http://schemas.openxmlformats.org/presentationml/2006/main">
+  <p:cSld>
+    <p:spTree>
+      <p:nvGrpSpPr>
+        <p:cNvPr id="1" name=""/>
+        <p:cNvGrpSpPr/>
+        <p:nvPr/>
+      </p:nvGrpSpPr>
+      <p:grpSpPr/>
+      <p:sp>
+        <p:nvSpPr>
+          <p:cNvPr id="5" name="Title 4"/>
+          <p:cNvSpPr>
+            <a:spLocks noGrp="1"/>
+          </p:cNvSpPr>
+          <p:nvPr>
+            <p:ph type="title"/>
+          </p:nvPr>
+        </p:nvSpPr>
+        <p:spPr>
+          <a:xfrm>
+            <a:off x="238760" y="122555"/>
+            <a:ext cx="3363595" cy="525780"/>
+          </a:xfrm>
+        </p:spPr>
+        <p:txBody>
+          <a:bodyPr/>
+          <a:p>
+            <a:r>
+              <a:rPr lang="en-US"/>
+              <a:t>Classes</a:t>
+            </a:r>
+            <a:endParaRPr lang="en-US"/>
+          </a:p>
+        </p:txBody>
+      </p:sp>
+      <p:pic>
+        <p:nvPicPr>
+          <p:cNvPr id="4" name="Table Placeholder 3"/>
+          <p:cNvPicPr>
+            <a:picLocks noChangeAspect="1"/>
+          </p:cNvPicPr>
+          <p:nvPr>
+            <p:ph type="tbl" sz="quarter" idx="10"/>
+          </p:nvPr>
+        </p:nvPicPr>
+        <p:blipFill>
+          <a:blip r:embed="rId1"/>
+          <a:stretch>
+            <a:fillRect/>
+          </a:stretch>
+        </p:blipFill>
+        <p:spPr>
+          <a:xfrm>
+            <a:off x="3605530" y="137160"/>
+            <a:ext cx="5363845" cy="6126480"/>
+          </a:xfrm>
+          <a:prstGeom prst="rect">
+            <a:avLst/>
+          </a:prstGeom>
+        </p:spPr>
+      </p:pic>
+      <p:pic>
+        <p:nvPicPr>
+          <p:cNvPr id="6" name="Picture 5"/>
+          <p:cNvPicPr>
+            <a:picLocks noChangeAspect="1"/>
+          </p:cNvPicPr>
+          <p:nvPr/>
+        </p:nvPicPr>
+        <p:blipFill>
+          <a:blip r:embed="rId2"/>
+          <a:stretch>
+            <a:fillRect/>
+          </a:stretch>
+        </p:blipFill>
+        <p:spPr>
+          <a:xfrm>
+            <a:off x="822960" y="574040"/>
+            <a:ext cx="2945130" cy="5498465"/>
           </a:xfrm>
           <a:prstGeom prst="rect">
             <a:avLst/>
